--- a/발표자료 및 산출물/소프트웨어 프로젝트2 발표자료.pptx
+++ b/발표자료 및 산출물/소프트웨어 프로젝트2 발표자료.pptx
@@ -120,7 +120,7 @@
 <file path=ppt/revisionInfo.xml><?xml version="1.0" encoding="utf-8"?>
 <p1510:revInfo xmlns:a="http://schemas.openxmlformats.org/drawingml/2006/main" xmlns:r="http://schemas.openxmlformats.org/officeDocument/2006/relationships" xmlns:p1510="http://schemas.microsoft.com/office/powerpoint/2015/10/main">
   <p1510:revLst>
-    <p1510:client id="{433A44F2-966F-4CC0-8D6D-ECFCDA6BD746}" v="1337" dt="2020-11-30T05:25:35.868"/>
+    <p1510:client id="{433A44F2-966F-4CC0-8D6D-ECFCDA6BD746}" v="1369" dt="2020-11-30T10:57:52.333"/>
   </p1510:revLst>
 </p1510:revInfo>
 </file>
@@ -6455,879 +6455,832 @@
           </a:p>
         </p:txBody>
       </p:sp>
-      <p:grpSp>
-        <p:nvGrpSpPr>
-          <p:cNvPr id="1056" name="그룹 1055">
-            <a:extLst>
-              <a:ext uri="{FF2B5EF4-FFF2-40B4-BE49-F238E27FC236}">
-                <a16:creationId xmlns:a16="http://schemas.microsoft.com/office/drawing/2014/main" id="{428C85BF-20E8-4992-837E-9A2A6F89B22C}"/>
-              </a:ext>
-            </a:extLst>
-          </p:cNvPr>
-          <p:cNvGrpSpPr/>
+      <p:sp>
+        <p:nvSpPr>
+          <p:cNvPr id="19" name="직사각형 18">
+            <a:extLst>
+              <a:ext uri="{FF2B5EF4-FFF2-40B4-BE49-F238E27FC236}">
+                <a16:creationId xmlns:a16="http://schemas.microsoft.com/office/drawing/2014/main" id="{80D835F6-5A54-497C-B98A-6BA9901B308E}"/>
+              </a:ext>
+            </a:extLst>
+          </p:cNvPr>
+          <p:cNvSpPr/>
           <p:nvPr/>
-        </p:nvGrpSpPr>
-        <p:grpSpPr>
+        </p:nvSpPr>
+        <p:spPr>
           <a:xfrm>
-            <a:off x="803057" y="2405963"/>
-            <a:ext cx="10286899" cy="3491213"/>
-            <a:chOff x="803057" y="2405963"/>
-            <a:chExt cx="10286899" cy="3491213"/>
+            <a:off x="1193916" y="2989340"/>
+            <a:ext cx="1677800" cy="788565"/>
           </a:xfrm>
-        </p:grpSpPr>
-        <p:grpSp>
-          <p:nvGrpSpPr>
-            <p:cNvPr id="1054" name="그룹 1053">
-              <a:extLst>
-                <a:ext uri="{FF2B5EF4-FFF2-40B4-BE49-F238E27FC236}">
-                  <a16:creationId xmlns:a16="http://schemas.microsoft.com/office/drawing/2014/main" id="{93950E4B-40BC-4CD1-901A-91562E9FF7A7}"/>
-                </a:ext>
-              </a:extLst>
-            </p:cNvPr>
-            <p:cNvGrpSpPr/>
-            <p:nvPr/>
-          </p:nvGrpSpPr>
-          <p:grpSpPr>
-            <a:xfrm>
-              <a:off x="803057" y="2405963"/>
-              <a:ext cx="10286899" cy="3491213"/>
-              <a:chOff x="803057" y="2405963"/>
-              <a:chExt cx="10286899" cy="3491213"/>
-            </a:xfrm>
-          </p:grpSpPr>
-          <p:sp>
-            <p:nvSpPr>
-              <p:cNvPr id="19" name="직사각형 18">
-                <a:extLst>
-                  <a:ext uri="{FF2B5EF4-FFF2-40B4-BE49-F238E27FC236}">
-                    <a16:creationId xmlns:a16="http://schemas.microsoft.com/office/drawing/2014/main" id="{80D835F6-5A54-497C-B98A-6BA9901B308E}"/>
-                  </a:ext>
-                </a:extLst>
-              </p:cNvPr>
-              <p:cNvSpPr/>
-              <p:nvPr/>
-            </p:nvSpPr>
-            <p:spPr>
-              <a:xfrm>
-                <a:off x="803057" y="3633516"/>
-                <a:ext cx="1677800" cy="788565"/>
-              </a:xfrm>
-              <a:prstGeom prst="rect">
-                <a:avLst/>
-              </a:prstGeom>
+          <a:prstGeom prst="rect">
+            <a:avLst/>
+          </a:prstGeom>
+          <a:solidFill>
+            <a:srgbClr val="FF0000"/>
+          </a:solidFill>
+          <a:ln>
+            <a:noFill/>
+          </a:ln>
+        </p:spPr>
+        <p:style>
+          <a:lnRef idx="2">
+            <a:schemeClr val="accent1">
+              <a:shade val="50000"/>
+            </a:schemeClr>
+          </a:lnRef>
+          <a:fillRef idx="1">
+            <a:schemeClr val="accent1"/>
+          </a:fillRef>
+          <a:effectRef idx="0">
+            <a:schemeClr val="accent1"/>
+          </a:effectRef>
+          <a:fontRef idx="minor">
+            <a:schemeClr val="lt1"/>
+          </a:fontRef>
+        </p:style>
+        <p:txBody>
+          <a:bodyPr rtlCol="0" anchor="ctr"/>
+          <a:lstStyle/>
+          <a:p>
+            <a:pPr algn="ctr"/>
+            <a:r>
+              <a:rPr lang="en-US" altLang="ko-KR" dirty="0" err="1">
+                <a:solidFill>
+                  <a:schemeClr val="bg1"/>
+                </a:solidFill>
+              </a:rPr>
+              <a:t>MainWindow</a:t>
+            </a:r>
+            <a:endParaRPr lang="en-US" altLang="ko-KR" dirty="0">
               <a:solidFill>
-                <a:srgbClr val="FF0000"/>
+                <a:schemeClr val="bg1"/>
               </a:solidFill>
-              <a:ln>
-                <a:noFill/>
-              </a:ln>
-            </p:spPr>
-            <p:style>
-              <a:lnRef idx="2">
-                <a:schemeClr val="accent1">
-                  <a:shade val="50000"/>
-                </a:schemeClr>
-              </a:lnRef>
-              <a:fillRef idx="1">
-                <a:schemeClr val="accent1"/>
-              </a:fillRef>
-              <a:effectRef idx="0">
-                <a:schemeClr val="accent1"/>
-              </a:effectRef>
-              <a:fontRef idx="minor">
-                <a:schemeClr val="lt1"/>
-              </a:fontRef>
-            </p:style>
-            <p:txBody>
-              <a:bodyPr rtlCol="0" anchor="ctr"/>
-              <a:lstStyle/>
-              <a:p>
-                <a:pPr algn="ctr"/>
-                <a:r>
-                  <a:rPr lang="en-US" altLang="ko-KR" dirty="0" err="1">
-                    <a:solidFill>
-                      <a:sysClr val="windowText" lastClr="000000"/>
-                    </a:solidFill>
-                  </a:rPr>
-                  <a:t>MainWindow</a:t>
-                </a:r>
-                <a:endParaRPr lang="en-US" altLang="ko-KR" dirty="0">
-                  <a:solidFill>
-                    <a:sysClr val="windowText" lastClr="000000"/>
-                  </a:solidFill>
-                </a:endParaRPr>
-              </a:p>
-            </p:txBody>
-          </p:sp>
-          <p:sp>
-            <p:nvSpPr>
-              <p:cNvPr id="24" name="직사각형 23">
-                <a:extLst>
-                  <a:ext uri="{FF2B5EF4-FFF2-40B4-BE49-F238E27FC236}">
-                    <a16:creationId xmlns:a16="http://schemas.microsoft.com/office/drawing/2014/main" id="{BFC13A2F-E287-4AD5-8A2B-50FE5F2E217A}"/>
-                  </a:ext>
-                </a:extLst>
-              </p:cNvPr>
-              <p:cNvSpPr/>
-              <p:nvPr/>
-            </p:nvSpPr>
-            <p:spPr>
-              <a:xfrm>
-                <a:off x="3476693" y="4615149"/>
-                <a:ext cx="1895913" cy="788565"/>
-              </a:xfrm>
-              <a:prstGeom prst="rect">
-                <a:avLst/>
-              </a:prstGeom>
+            </a:endParaRPr>
+          </a:p>
+        </p:txBody>
+      </p:sp>
+      <p:sp>
+        <p:nvSpPr>
+          <p:cNvPr id="24" name="직사각형 23">
+            <a:extLst>
+              <a:ext uri="{FF2B5EF4-FFF2-40B4-BE49-F238E27FC236}">
+                <a16:creationId xmlns:a16="http://schemas.microsoft.com/office/drawing/2014/main" id="{BFC13A2F-E287-4AD5-8A2B-50FE5F2E217A}"/>
+              </a:ext>
+            </a:extLst>
+          </p:cNvPr>
+          <p:cNvSpPr/>
+          <p:nvPr/>
+        </p:nvSpPr>
+        <p:spPr>
+          <a:xfrm>
+            <a:off x="3496100" y="3578812"/>
+            <a:ext cx="1895913" cy="788565"/>
+          </a:xfrm>
+          <a:prstGeom prst="rect">
+            <a:avLst/>
+          </a:prstGeom>
+          <a:solidFill>
+            <a:srgbClr val="FFC000"/>
+          </a:solidFill>
+          <a:ln>
+            <a:noFill/>
+          </a:ln>
+        </p:spPr>
+        <p:style>
+          <a:lnRef idx="2">
+            <a:schemeClr val="accent1">
+              <a:shade val="50000"/>
+            </a:schemeClr>
+          </a:lnRef>
+          <a:fillRef idx="1">
+            <a:schemeClr val="accent1"/>
+          </a:fillRef>
+          <a:effectRef idx="0">
+            <a:schemeClr val="accent1"/>
+          </a:effectRef>
+          <a:fontRef idx="minor">
+            <a:schemeClr val="lt1"/>
+          </a:fontRef>
+        </p:style>
+        <p:txBody>
+          <a:bodyPr rtlCol="0" anchor="ctr"/>
+          <a:lstStyle/>
+          <a:p>
+            <a:pPr algn="ctr"/>
+            <a:r>
+              <a:rPr lang="en-US" altLang="ko-KR" dirty="0" err="1">
+                <a:solidFill>
+                  <a:sysClr val="windowText" lastClr="000000"/>
+                </a:solidFill>
+              </a:rPr>
+              <a:t>ProjectManager</a:t>
+            </a:r>
+            <a:endParaRPr lang="en-US" altLang="ko-KR" dirty="0">
               <a:solidFill>
-                <a:srgbClr val="FFC000"/>
+                <a:sysClr val="windowText" lastClr="000000"/>
               </a:solidFill>
-              <a:ln>
-                <a:noFill/>
-              </a:ln>
-            </p:spPr>
-            <p:style>
-              <a:lnRef idx="2">
-                <a:schemeClr val="accent1">
-                  <a:shade val="50000"/>
-                </a:schemeClr>
-              </a:lnRef>
-              <a:fillRef idx="1">
-                <a:schemeClr val="accent1"/>
-              </a:fillRef>
-              <a:effectRef idx="0">
-                <a:schemeClr val="accent1"/>
-              </a:effectRef>
-              <a:fontRef idx="minor">
-                <a:schemeClr val="lt1"/>
-              </a:fontRef>
-            </p:style>
-            <p:txBody>
-              <a:bodyPr rtlCol="0" anchor="ctr"/>
-              <a:lstStyle/>
-              <a:p>
-                <a:pPr algn="ctr"/>
-                <a:r>
-                  <a:rPr lang="en-US" altLang="ko-KR" dirty="0" err="1">
-                    <a:solidFill>
-                      <a:sysClr val="windowText" lastClr="000000"/>
-                    </a:solidFill>
-                  </a:rPr>
-                  <a:t>ProjectManager</a:t>
-                </a:r>
-                <a:endParaRPr lang="en-US" altLang="ko-KR" dirty="0">
-                  <a:solidFill>
-                    <a:sysClr val="windowText" lastClr="000000"/>
-                  </a:solidFill>
-                </a:endParaRPr>
-              </a:p>
-            </p:txBody>
-          </p:sp>
-          <p:sp>
-            <p:nvSpPr>
-              <p:cNvPr id="25" name="직사각형 24">
-                <a:extLst>
-                  <a:ext uri="{FF2B5EF4-FFF2-40B4-BE49-F238E27FC236}">
-                    <a16:creationId xmlns:a16="http://schemas.microsoft.com/office/drawing/2014/main" id="{12BFBD71-287C-4E16-8F02-04C4DF1AB4D6}"/>
-                  </a:ext>
-                </a:extLst>
-              </p:cNvPr>
-              <p:cNvSpPr/>
-              <p:nvPr/>
-            </p:nvSpPr>
-            <p:spPr>
-              <a:xfrm>
-                <a:off x="3476693" y="2844951"/>
-                <a:ext cx="1677800" cy="788565"/>
-              </a:xfrm>
-              <a:prstGeom prst="rect">
-                <a:avLst/>
-              </a:prstGeom>
+            </a:endParaRPr>
+          </a:p>
+        </p:txBody>
+      </p:sp>
+      <p:sp>
+        <p:nvSpPr>
+          <p:cNvPr id="25" name="직사각형 24">
+            <a:extLst>
+              <a:ext uri="{FF2B5EF4-FFF2-40B4-BE49-F238E27FC236}">
+                <a16:creationId xmlns:a16="http://schemas.microsoft.com/office/drawing/2014/main" id="{12BFBD71-287C-4E16-8F02-04C4DF1AB4D6}"/>
+              </a:ext>
+            </a:extLst>
+          </p:cNvPr>
+          <p:cNvSpPr/>
+          <p:nvPr/>
+        </p:nvSpPr>
+        <p:spPr>
+          <a:xfrm>
+            <a:off x="3496100" y="2567329"/>
+            <a:ext cx="1677800" cy="788565"/>
+          </a:xfrm>
+          <a:prstGeom prst="rect">
+            <a:avLst/>
+          </a:prstGeom>
+          <a:solidFill>
+            <a:srgbClr val="FFC000"/>
+          </a:solidFill>
+          <a:ln>
+            <a:noFill/>
+          </a:ln>
+        </p:spPr>
+        <p:style>
+          <a:lnRef idx="2">
+            <a:schemeClr val="accent1">
+              <a:shade val="50000"/>
+            </a:schemeClr>
+          </a:lnRef>
+          <a:fillRef idx="1">
+            <a:schemeClr val="accent1"/>
+          </a:fillRef>
+          <a:effectRef idx="0">
+            <a:schemeClr val="accent1"/>
+          </a:effectRef>
+          <a:fontRef idx="minor">
+            <a:schemeClr val="lt1"/>
+          </a:fontRef>
+        </p:style>
+        <p:txBody>
+          <a:bodyPr rtlCol="0" anchor="ctr"/>
+          <a:lstStyle/>
+          <a:p>
+            <a:pPr algn="ctr"/>
+            <a:r>
+              <a:rPr lang="en-US" altLang="ko-KR" dirty="0" err="1">
+                <a:solidFill>
+                  <a:sysClr val="windowText" lastClr="000000"/>
+                </a:solidFill>
+              </a:rPr>
+              <a:t>ProjectMenu</a:t>
+            </a:r>
+            <a:endParaRPr lang="en-US" altLang="ko-KR" dirty="0">
               <a:solidFill>
-                <a:srgbClr val="FFC000"/>
+                <a:sysClr val="windowText" lastClr="000000"/>
               </a:solidFill>
-              <a:ln>
-                <a:noFill/>
-              </a:ln>
-            </p:spPr>
-            <p:style>
-              <a:lnRef idx="2">
-                <a:schemeClr val="accent1">
-                  <a:shade val="50000"/>
-                </a:schemeClr>
-              </a:lnRef>
-              <a:fillRef idx="1">
-                <a:schemeClr val="accent1"/>
-              </a:fillRef>
-              <a:effectRef idx="0">
-                <a:schemeClr val="accent1"/>
-              </a:effectRef>
-              <a:fontRef idx="minor">
-                <a:schemeClr val="lt1"/>
-              </a:fontRef>
-            </p:style>
-            <p:txBody>
-              <a:bodyPr rtlCol="0" anchor="ctr"/>
-              <a:lstStyle/>
-              <a:p>
-                <a:pPr algn="ctr"/>
-                <a:r>
-                  <a:rPr lang="en-US" altLang="ko-KR" dirty="0" err="1">
-                    <a:solidFill>
-                      <a:sysClr val="windowText" lastClr="000000"/>
-                    </a:solidFill>
-                  </a:rPr>
-                  <a:t>ProjectMenu</a:t>
-                </a:r>
-                <a:endParaRPr lang="en-US" altLang="ko-KR" dirty="0">
-                  <a:solidFill>
-                    <a:sysClr val="windowText" lastClr="000000"/>
-                  </a:solidFill>
-                </a:endParaRPr>
-              </a:p>
-            </p:txBody>
-          </p:sp>
-          <p:cxnSp>
-            <p:nvCxnSpPr>
-              <p:cNvPr id="26" name="직선 화살표 연결선 25">
-                <a:extLst>
-                  <a:ext uri="{FF2B5EF4-FFF2-40B4-BE49-F238E27FC236}">
-                    <a16:creationId xmlns:a16="http://schemas.microsoft.com/office/drawing/2014/main" id="{A93687B2-6DC9-4FBD-A60A-CDCB7F7FE5DA}"/>
-                  </a:ext>
-                </a:extLst>
-              </p:cNvPr>
-              <p:cNvCxnSpPr>
-                <a:cxnSpLocks/>
-                <a:stCxn id="25" idx="1"/>
-                <a:endCxn id="19" idx="3"/>
-              </p:cNvCxnSpPr>
-              <p:nvPr/>
-            </p:nvCxnSpPr>
-            <p:spPr>
-              <a:xfrm flipH="1">
-                <a:off x="2480857" y="3239234"/>
-                <a:ext cx="995836" cy="788565"/>
-              </a:xfrm>
-              <a:prstGeom prst="straightConnector1">
-                <a:avLst/>
-              </a:prstGeom>
-              <a:ln w="57150">
+            </a:endParaRPr>
+          </a:p>
+        </p:txBody>
+      </p:sp>
+      <p:cxnSp>
+        <p:nvCxnSpPr>
+          <p:cNvPr id="26" name="직선 화살표 연결선 25">
+            <a:extLst>
+              <a:ext uri="{FF2B5EF4-FFF2-40B4-BE49-F238E27FC236}">
+                <a16:creationId xmlns:a16="http://schemas.microsoft.com/office/drawing/2014/main" id="{A93687B2-6DC9-4FBD-A60A-CDCB7F7FE5DA}"/>
+              </a:ext>
+            </a:extLst>
+          </p:cNvPr>
+          <p:cNvCxnSpPr>
+            <a:cxnSpLocks/>
+            <a:stCxn id="25" idx="1"/>
+          </p:cNvCxnSpPr>
+          <p:nvPr/>
+        </p:nvCxnSpPr>
+        <p:spPr>
+          <a:xfrm flipH="1">
+            <a:off x="2885297" y="2961612"/>
+            <a:ext cx="610803" cy="235836"/>
+          </a:xfrm>
+          <a:prstGeom prst="straightConnector1">
+            <a:avLst/>
+          </a:prstGeom>
+          <a:ln w="57150">
+            <a:solidFill>
+              <a:schemeClr val="tx1"/>
+            </a:solidFill>
+            <a:tailEnd type="triangle"/>
+          </a:ln>
+        </p:spPr>
+        <p:style>
+          <a:lnRef idx="1">
+            <a:schemeClr val="accent1"/>
+          </a:lnRef>
+          <a:fillRef idx="0">
+            <a:schemeClr val="accent1"/>
+          </a:fillRef>
+          <a:effectRef idx="0">
+            <a:schemeClr val="accent1"/>
+          </a:effectRef>
+          <a:fontRef idx="minor">
+            <a:schemeClr val="tx1"/>
+          </a:fontRef>
+        </p:style>
+      </p:cxnSp>
+      <p:cxnSp>
+        <p:nvCxnSpPr>
+          <p:cNvPr id="27" name="직선 화살표 연결선 26">
+            <a:extLst>
+              <a:ext uri="{FF2B5EF4-FFF2-40B4-BE49-F238E27FC236}">
+                <a16:creationId xmlns:a16="http://schemas.microsoft.com/office/drawing/2014/main" id="{705B5674-0B3D-4B57-A960-36EC3ABA73BF}"/>
+              </a:ext>
+            </a:extLst>
+          </p:cNvPr>
+          <p:cNvCxnSpPr>
+            <a:cxnSpLocks/>
+            <a:stCxn id="28" idx="1"/>
+            <a:endCxn id="24" idx="3"/>
+          </p:cNvCxnSpPr>
+          <p:nvPr/>
+        </p:nvCxnSpPr>
+        <p:spPr>
+          <a:xfrm flipH="1">
+            <a:off x="5392013" y="3970160"/>
+            <a:ext cx="1038699" cy="2935"/>
+          </a:xfrm>
+          <a:prstGeom prst="straightConnector1">
+            <a:avLst/>
+          </a:prstGeom>
+          <a:ln w="57150">
+            <a:solidFill>
+              <a:schemeClr val="tx1"/>
+            </a:solidFill>
+            <a:tailEnd type="triangle"/>
+          </a:ln>
+        </p:spPr>
+        <p:style>
+          <a:lnRef idx="1">
+            <a:schemeClr val="accent1"/>
+          </a:lnRef>
+          <a:fillRef idx="0">
+            <a:schemeClr val="accent1"/>
+          </a:fillRef>
+          <a:effectRef idx="0">
+            <a:schemeClr val="accent1"/>
+          </a:effectRef>
+          <a:fontRef idx="minor">
+            <a:schemeClr val="tx1"/>
+          </a:fontRef>
+        </p:style>
+      </p:cxnSp>
+      <p:sp>
+        <p:nvSpPr>
+          <p:cNvPr id="28" name="직사각형 27">
+            <a:extLst>
+              <a:ext uri="{FF2B5EF4-FFF2-40B4-BE49-F238E27FC236}">
+                <a16:creationId xmlns:a16="http://schemas.microsoft.com/office/drawing/2014/main" id="{3563C5E3-DF15-4317-A7EA-31AB7385B450}"/>
+              </a:ext>
+            </a:extLst>
+          </p:cNvPr>
+          <p:cNvSpPr/>
+          <p:nvPr/>
+        </p:nvSpPr>
+        <p:spPr>
+          <a:xfrm>
+            <a:off x="6430712" y="3575877"/>
+            <a:ext cx="1895913" cy="788565"/>
+          </a:xfrm>
+          <a:prstGeom prst="rect">
+            <a:avLst/>
+          </a:prstGeom>
+          <a:solidFill>
+            <a:srgbClr val="FFFF00"/>
+          </a:solidFill>
+          <a:ln>
+            <a:noFill/>
+          </a:ln>
+        </p:spPr>
+        <p:style>
+          <a:lnRef idx="2">
+            <a:schemeClr val="accent1">
+              <a:shade val="50000"/>
+            </a:schemeClr>
+          </a:lnRef>
+          <a:fillRef idx="1">
+            <a:schemeClr val="accent1"/>
+          </a:fillRef>
+          <a:effectRef idx="0">
+            <a:schemeClr val="accent1"/>
+          </a:effectRef>
+          <a:fontRef idx="minor">
+            <a:schemeClr val="lt1"/>
+          </a:fontRef>
+        </p:style>
+        <p:txBody>
+          <a:bodyPr rtlCol="0" anchor="ctr"/>
+          <a:lstStyle/>
+          <a:p>
+            <a:pPr algn="ctr"/>
+            <a:r>
+              <a:rPr lang="en-US" altLang="ko-KR" dirty="0" err="1">
                 <a:solidFill>
-                  <a:schemeClr val="tx1"/>
+                  <a:sysClr val="windowText" lastClr="000000"/>
                 </a:solidFill>
-                <a:tailEnd type="triangle"/>
-              </a:ln>
-            </p:spPr>
-            <p:style>
-              <a:lnRef idx="1">
-                <a:schemeClr val="accent1"/>
-              </a:lnRef>
-              <a:fillRef idx="0">
-                <a:schemeClr val="accent1"/>
-              </a:fillRef>
-              <a:effectRef idx="0">
-                <a:schemeClr val="accent1"/>
-              </a:effectRef>
-              <a:fontRef idx="minor">
-                <a:schemeClr val="tx1"/>
-              </a:fontRef>
-            </p:style>
-          </p:cxnSp>
-          <p:cxnSp>
-            <p:nvCxnSpPr>
-              <p:cNvPr id="27" name="직선 화살표 연결선 26">
-                <a:extLst>
-                  <a:ext uri="{FF2B5EF4-FFF2-40B4-BE49-F238E27FC236}">
-                    <a16:creationId xmlns:a16="http://schemas.microsoft.com/office/drawing/2014/main" id="{705B5674-0B3D-4B57-A960-36EC3ABA73BF}"/>
-                  </a:ext>
-                </a:extLst>
-              </p:cNvPr>
-              <p:cNvCxnSpPr>
-                <a:cxnSpLocks/>
-                <a:stCxn id="28" idx="1"/>
-                <a:endCxn id="24" idx="3"/>
-              </p:cNvCxnSpPr>
-              <p:nvPr/>
-            </p:nvCxnSpPr>
-            <p:spPr>
-              <a:xfrm flipH="1">
-                <a:off x="5372606" y="5006497"/>
-                <a:ext cx="1038699" cy="2935"/>
-              </a:xfrm>
-              <a:prstGeom prst="straightConnector1">
-                <a:avLst/>
-              </a:prstGeom>
-              <a:ln w="57150">
+              </a:rPr>
+              <a:t>ClassTreeView</a:t>
+            </a:r>
+            <a:endParaRPr lang="en-US" altLang="ko-KR" dirty="0">
+              <a:solidFill>
+                <a:sysClr val="windowText" lastClr="000000"/>
+              </a:solidFill>
+            </a:endParaRPr>
+          </a:p>
+        </p:txBody>
+      </p:sp>
+      <p:cxnSp>
+        <p:nvCxnSpPr>
+          <p:cNvPr id="29" name="직선 화살표 연결선 28">
+            <a:extLst>
+              <a:ext uri="{FF2B5EF4-FFF2-40B4-BE49-F238E27FC236}">
+                <a16:creationId xmlns:a16="http://schemas.microsoft.com/office/drawing/2014/main" id="{DDA819AF-65A7-4AED-A21E-479605D0C3E4}"/>
+              </a:ext>
+            </a:extLst>
+          </p:cNvPr>
+          <p:cNvCxnSpPr>
+            <a:cxnSpLocks/>
+            <a:stCxn id="24" idx="1"/>
+          </p:cNvCxnSpPr>
+          <p:nvPr/>
+        </p:nvCxnSpPr>
+        <p:spPr>
+          <a:xfrm flipH="1" flipV="1">
+            <a:off x="2866860" y="3601111"/>
+            <a:ext cx="629240" cy="371984"/>
+          </a:xfrm>
+          <a:prstGeom prst="straightConnector1">
+            <a:avLst/>
+          </a:prstGeom>
+          <a:ln w="57150">
+            <a:solidFill>
+              <a:schemeClr val="tx1"/>
+            </a:solidFill>
+            <a:tailEnd type="triangle"/>
+          </a:ln>
+        </p:spPr>
+        <p:style>
+          <a:lnRef idx="1">
+            <a:schemeClr val="accent1"/>
+          </a:lnRef>
+          <a:fillRef idx="0">
+            <a:schemeClr val="accent1"/>
+          </a:fillRef>
+          <a:effectRef idx="0">
+            <a:schemeClr val="accent1"/>
+          </a:effectRef>
+          <a:fontRef idx="minor">
+            <a:schemeClr val="tx1"/>
+          </a:fontRef>
+        </p:style>
+      </p:cxnSp>
+      <p:sp>
+        <p:nvSpPr>
+          <p:cNvPr id="30" name="직사각형 29">
+            <a:extLst>
+              <a:ext uri="{FF2B5EF4-FFF2-40B4-BE49-F238E27FC236}">
+                <a16:creationId xmlns:a16="http://schemas.microsoft.com/office/drawing/2014/main" id="{9A7C405B-EAAF-4E90-B289-2AA5037C69D9}"/>
+              </a:ext>
+            </a:extLst>
+          </p:cNvPr>
+          <p:cNvSpPr/>
+          <p:nvPr/>
+        </p:nvSpPr>
+        <p:spPr>
+          <a:xfrm>
+            <a:off x="9047305" y="4117936"/>
+            <a:ext cx="1895913" cy="788565"/>
+          </a:xfrm>
+          <a:prstGeom prst="rect">
+            <a:avLst/>
+          </a:prstGeom>
+          <a:solidFill>
+            <a:srgbClr val="92D050"/>
+          </a:solidFill>
+          <a:ln>
+            <a:noFill/>
+          </a:ln>
+        </p:spPr>
+        <p:style>
+          <a:lnRef idx="2">
+            <a:schemeClr val="accent1">
+              <a:shade val="50000"/>
+            </a:schemeClr>
+          </a:lnRef>
+          <a:fillRef idx="1">
+            <a:schemeClr val="accent1"/>
+          </a:fillRef>
+          <a:effectRef idx="0">
+            <a:schemeClr val="accent1"/>
+          </a:effectRef>
+          <a:fontRef idx="minor">
+            <a:schemeClr val="lt1"/>
+          </a:fontRef>
+        </p:style>
+        <p:txBody>
+          <a:bodyPr rtlCol="0" anchor="ctr"/>
+          <a:lstStyle/>
+          <a:p>
+            <a:pPr algn="ctr"/>
+            <a:r>
+              <a:rPr lang="en-US" altLang="ko-KR" dirty="0" err="1">
                 <a:solidFill>
-                  <a:schemeClr val="tx1"/>
+                  <a:sysClr val="windowText" lastClr="000000"/>
                 </a:solidFill>
-                <a:tailEnd type="triangle"/>
-              </a:ln>
-            </p:spPr>
-            <p:style>
-              <a:lnRef idx="1">
-                <a:schemeClr val="accent1"/>
-              </a:lnRef>
-              <a:fillRef idx="0">
-                <a:schemeClr val="accent1"/>
-              </a:fillRef>
-              <a:effectRef idx="0">
-                <a:schemeClr val="accent1"/>
-              </a:effectRef>
-              <a:fontRef idx="minor">
-                <a:schemeClr val="tx1"/>
-              </a:fontRef>
-            </p:style>
-          </p:cxnSp>
-          <p:sp>
-            <p:nvSpPr>
-              <p:cNvPr id="28" name="직사각형 27">
-                <a:extLst>
-                  <a:ext uri="{FF2B5EF4-FFF2-40B4-BE49-F238E27FC236}">
-                    <a16:creationId xmlns:a16="http://schemas.microsoft.com/office/drawing/2014/main" id="{3563C5E3-DF15-4317-A7EA-31AB7385B450}"/>
-                  </a:ext>
-                </a:extLst>
-              </p:cNvPr>
-              <p:cNvSpPr/>
-              <p:nvPr/>
-            </p:nvSpPr>
-            <p:spPr>
-              <a:xfrm>
-                <a:off x="6411305" y="4612214"/>
-                <a:ext cx="1895913" cy="788565"/>
-              </a:xfrm>
-              <a:prstGeom prst="rect">
-                <a:avLst/>
-              </a:prstGeom>
+              </a:rPr>
+              <a:t>ClassInfoDialog</a:t>
+            </a:r>
+            <a:endParaRPr lang="en-US" altLang="ko-KR" dirty="0">
               <a:solidFill>
-                <a:srgbClr val="FFFF00"/>
+                <a:sysClr val="windowText" lastClr="000000"/>
               </a:solidFill>
-              <a:ln>
-                <a:noFill/>
-              </a:ln>
-            </p:spPr>
-            <p:style>
-              <a:lnRef idx="2">
-                <a:schemeClr val="accent1">
-                  <a:shade val="50000"/>
-                </a:schemeClr>
-              </a:lnRef>
-              <a:fillRef idx="1">
-                <a:schemeClr val="accent1"/>
-              </a:fillRef>
-              <a:effectRef idx="0">
-                <a:schemeClr val="accent1"/>
-              </a:effectRef>
-              <a:fontRef idx="minor">
-                <a:schemeClr val="lt1"/>
-              </a:fontRef>
-            </p:style>
-            <p:txBody>
-              <a:bodyPr rtlCol="0" anchor="ctr"/>
-              <a:lstStyle/>
-              <a:p>
-                <a:pPr algn="ctr"/>
-                <a:r>
-                  <a:rPr lang="en-US" altLang="ko-KR" dirty="0" err="1">
-                    <a:solidFill>
-                      <a:sysClr val="windowText" lastClr="000000"/>
-                    </a:solidFill>
-                  </a:rPr>
-                  <a:t>ClassTreeView</a:t>
-                </a:r>
-                <a:endParaRPr lang="en-US" altLang="ko-KR" dirty="0">
-                  <a:solidFill>
-                    <a:sysClr val="windowText" lastClr="000000"/>
-                  </a:solidFill>
-                </a:endParaRPr>
-              </a:p>
-            </p:txBody>
-          </p:sp>
-          <p:cxnSp>
-            <p:nvCxnSpPr>
-              <p:cNvPr id="29" name="직선 화살표 연결선 28">
-                <a:extLst>
-                  <a:ext uri="{FF2B5EF4-FFF2-40B4-BE49-F238E27FC236}">
-                    <a16:creationId xmlns:a16="http://schemas.microsoft.com/office/drawing/2014/main" id="{DDA819AF-65A7-4AED-A21E-479605D0C3E4}"/>
-                  </a:ext>
-                </a:extLst>
-              </p:cNvPr>
-              <p:cNvCxnSpPr>
-                <a:cxnSpLocks/>
-                <a:stCxn id="24" idx="1"/>
-                <a:endCxn id="19" idx="3"/>
-              </p:cNvCxnSpPr>
-              <p:nvPr/>
-            </p:nvCxnSpPr>
-            <p:spPr>
-              <a:xfrm flipH="1" flipV="1">
-                <a:off x="2480857" y="4027799"/>
-                <a:ext cx="995836" cy="981633"/>
-              </a:xfrm>
-              <a:prstGeom prst="straightConnector1">
-                <a:avLst/>
-              </a:prstGeom>
-              <a:ln w="57150">
+            </a:endParaRPr>
+          </a:p>
+        </p:txBody>
+      </p:sp>
+      <p:cxnSp>
+        <p:nvCxnSpPr>
+          <p:cNvPr id="32" name="직선 화살표 연결선 31">
+            <a:extLst>
+              <a:ext uri="{FF2B5EF4-FFF2-40B4-BE49-F238E27FC236}">
+                <a16:creationId xmlns:a16="http://schemas.microsoft.com/office/drawing/2014/main" id="{BC2465AA-9A07-4C50-BB43-1B362FEFD167}"/>
+              </a:ext>
+            </a:extLst>
+          </p:cNvPr>
+          <p:cNvCxnSpPr>
+            <a:cxnSpLocks/>
+            <a:stCxn id="30" idx="1"/>
+          </p:cNvCxnSpPr>
+          <p:nvPr/>
+        </p:nvCxnSpPr>
+        <p:spPr>
+          <a:xfrm flipH="1" flipV="1">
+            <a:off x="8326625" y="4152360"/>
+            <a:ext cx="720680" cy="359859"/>
+          </a:xfrm>
+          <a:prstGeom prst="straightConnector1">
+            <a:avLst/>
+          </a:prstGeom>
+          <a:ln w="57150">
+            <a:solidFill>
+              <a:schemeClr val="tx1"/>
+            </a:solidFill>
+            <a:tailEnd type="triangle"/>
+          </a:ln>
+        </p:spPr>
+        <p:style>
+          <a:lnRef idx="1">
+            <a:schemeClr val="accent1"/>
+          </a:lnRef>
+          <a:fillRef idx="0">
+            <a:schemeClr val="accent1"/>
+          </a:fillRef>
+          <a:effectRef idx="0">
+            <a:schemeClr val="accent1"/>
+          </a:effectRef>
+          <a:fontRef idx="minor">
+            <a:schemeClr val="tx1"/>
+          </a:fontRef>
+        </p:style>
+      </p:cxnSp>
+      <p:sp>
+        <p:nvSpPr>
+          <p:cNvPr id="33" name="직사각형 32">
+            <a:extLst>
+              <a:ext uri="{FF2B5EF4-FFF2-40B4-BE49-F238E27FC236}">
+                <a16:creationId xmlns:a16="http://schemas.microsoft.com/office/drawing/2014/main" id="{E63A36F3-24F1-41AB-82B8-D405DB4A39E8}"/>
+              </a:ext>
+            </a:extLst>
+          </p:cNvPr>
+          <p:cNvSpPr/>
+          <p:nvPr/>
+        </p:nvSpPr>
+        <p:spPr>
+          <a:xfrm>
+            <a:off x="9308247" y="5366580"/>
+            <a:ext cx="1895913" cy="788565"/>
+          </a:xfrm>
+          <a:prstGeom prst="rect">
+            <a:avLst/>
+          </a:prstGeom>
+          <a:ln>
+            <a:noFill/>
+          </a:ln>
+        </p:spPr>
+        <p:style>
+          <a:lnRef idx="2">
+            <a:schemeClr val="accent1">
+              <a:shade val="50000"/>
+            </a:schemeClr>
+          </a:lnRef>
+          <a:fillRef idx="1">
+            <a:schemeClr val="accent1"/>
+          </a:fillRef>
+          <a:effectRef idx="0">
+            <a:schemeClr val="accent1"/>
+          </a:effectRef>
+          <a:fontRef idx="minor">
+            <a:schemeClr val="lt1"/>
+          </a:fontRef>
+        </p:style>
+        <p:txBody>
+          <a:bodyPr rtlCol="0" anchor="ctr"/>
+          <a:lstStyle/>
+          <a:p>
+            <a:pPr algn="ctr"/>
+            <a:r>
+              <a:rPr lang="en-US" altLang="ko-KR" dirty="0" err="1">
                 <a:solidFill>
-                  <a:schemeClr val="tx1"/>
+                  <a:schemeClr val="bg1"/>
                 </a:solidFill>
-                <a:tailEnd type="triangle"/>
-              </a:ln>
-            </p:spPr>
-            <p:style>
-              <a:lnRef idx="1">
-                <a:schemeClr val="accent1"/>
-              </a:lnRef>
-              <a:fillRef idx="0">
-                <a:schemeClr val="accent1"/>
-              </a:fillRef>
-              <a:effectRef idx="0">
-                <a:schemeClr val="accent1"/>
-              </a:effectRef>
-              <a:fontRef idx="minor">
-                <a:schemeClr val="tx1"/>
-              </a:fontRef>
-            </p:style>
-          </p:cxnSp>
-          <p:sp>
-            <p:nvSpPr>
-              <p:cNvPr id="30" name="직사각형 29">
-                <a:extLst>
-                  <a:ext uri="{FF2B5EF4-FFF2-40B4-BE49-F238E27FC236}">
-                    <a16:creationId xmlns:a16="http://schemas.microsoft.com/office/drawing/2014/main" id="{9A7C405B-EAAF-4E90-B289-2AA5037C69D9}"/>
-                  </a:ext>
-                </a:extLst>
-              </p:cNvPr>
-              <p:cNvSpPr/>
-              <p:nvPr/>
-            </p:nvSpPr>
-            <p:spPr>
-              <a:xfrm>
-                <a:off x="9194043" y="4020790"/>
-                <a:ext cx="1895913" cy="788565"/>
-              </a:xfrm>
-              <a:prstGeom prst="rect">
-                <a:avLst/>
-              </a:prstGeom>
+              </a:rPr>
+              <a:t>RemoveButton</a:t>
+            </a:r>
+            <a:endParaRPr lang="en-US" altLang="ko-KR" dirty="0">
               <a:solidFill>
-                <a:srgbClr val="92D050"/>
+                <a:schemeClr val="bg1"/>
               </a:solidFill>
-              <a:ln>
-                <a:noFill/>
-              </a:ln>
-            </p:spPr>
-            <p:style>
-              <a:lnRef idx="2">
-                <a:schemeClr val="accent1">
-                  <a:shade val="50000"/>
-                </a:schemeClr>
-              </a:lnRef>
-              <a:fillRef idx="1">
-                <a:schemeClr val="accent1"/>
-              </a:fillRef>
-              <a:effectRef idx="0">
-                <a:schemeClr val="accent1"/>
-              </a:effectRef>
-              <a:fontRef idx="minor">
-                <a:schemeClr val="lt1"/>
-              </a:fontRef>
-            </p:style>
-            <p:txBody>
-              <a:bodyPr rtlCol="0" anchor="ctr"/>
-              <a:lstStyle/>
-              <a:p>
-                <a:pPr algn="ctr"/>
-                <a:r>
-                  <a:rPr lang="en-US" altLang="ko-KR" dirty="0" err="1">
-                    <a:solidFill>
-                      <a:sysClr val="windowText" lastClr="000000"/>
-                    </a:solidFill>
-                  </a:rPr>
-                  <a:t>ClassInfoDialog</a:t>
-                </a:r>
-                <a:endParaRPr lang="en-US" altLang="ko-KR" dirty="0">
-                  <a:solidFill>
-                    <a:sysClr val="windowText" lastClr="000000"/>
-                  </a:solidFill>
-                </a:endParaRPr>
-              </a:p>
-            </p:txBody>
-          </p:sp>
-          <p:cxnSp>
-            <p:nvCxnSpPr>
-              <p:cNvPr id="32" name="직선 화살표 연결선 31">
-                <a:extLst>
-                  <a:ext uri="{FF2B5EF4-FFF2-40B4-BE49-F238E27FC236}">
-                    <a16:creationId xmlns:a16="http://schemas.microsoft.com/office/drawing/2014/main" id="{BC2465AA-9A07-4C50-BB43-1B362FEFD167}"/>
-                  </a:ext>
-                </a:extLst>
-              </p:cNvPr>
-              <p:cNvCxnSpPr>
-                <a:cxnSpLocks/>
-                <a:stCxn id="30" idx="1"/>
-                <a:endCxn id="28" idx="3"/>
-              </p:cNvCxnSpPr>
-              <p:nvPr/>
-            </p:nvCxnSpPr>
-            <p:spPr>
-              <a:xfrm flipH="1">
-                <a:off x="8307218" y="4415073"/>
-                <a:ext cx="886825" cy="591424"/>
-              </a:xfrm>
-              <a:prstGeom prst="straightConnector1">
-                <a:avLst/>
-              </a:prstGeom>
-              <a:ln w="57150">
+            </a:endParaRPr>
+          </a:p>
+        </p:txBody>
+      </p:sp>
+      <p:sp>
+        <p:nvSpPr>
+          <p:cNvPr id="35" name="직사각형 34">
+            <a:extLst>
+              <a:ext uri="{FF2B5EF4-FFF2-40B4-BE49-F238E27FC236}">
+                <a16:creationId xmlns:a16="http://schemas.microsoft.com/office/drawing/2014/main" id="{4E4CD542-DD85-4624-93BB-46528A601A62}"/>
+              </a:ext>
+            </a:extLst>
+          </p:cNvPr>
+          <p:cNvSpPr/>
+          <p:nvPr/>
+        </p:nvSpPr>
+        <p:spPr>
+          <a:xfrm>
+            <a:off x="6169736" y="2560320"/>
+            <a:ext cx="2156889" cy="788565"/>
+          </a:xfrm>
+          <a:prstGeom prst="rect">
+            <a:avLst/>
+          </a:prstGeom>
+          <a:solidFill>
+            <a:srgbClr val="FFFF00"/>
+          </a:solidFill>
+          <a:ln>
+            <a:noFill/>
+          </a:ln>
+        </p:spPr>
+        <p:style>
+          <a:lnRef idx="2">
+            <a:schemeClr val="accent1">
+              <a:shade val="50000"/>
+            </a:schemeClr>
+          </a:lnRef>
+          <a:fillRef idx="1">
+            <a:schemeClr val="accent1"/>
+          </a:fillRef>
+          <a:effectRef idx="0">
+            <a:schemeClr val="accent1"/>
+          </a:effectRef>
+          <a:fontRef idx="minor">
+            <a:schemeClr val="lt1"/>
+          </a:fontRef>
+        </p:style>
+        <p:txBody>
+          <a:bodyPr rtlCol="0" anchor="ctr"/>
+          <a:lstStyle/>
+          <a:p>
+            <a:pPr algn="ctr"/>
+            <a:r>
+              <a:rPr lang="en-US" altLang="ko-KR" dirty="0" err="1">
                 <a:solidFill>
-                  <a:schemeClr val="tx1"/>
+                  <a:sysClr val="windowText" lastClr="000000"/>
                 </a:solidFill>
-                <a:tailEnd type="triangle"/>
-              </a:ln>
-            </p:spPr>
-            <p:style>
-              <a:lnRef idx="1">
-                <a:schemeClr val="accent1"/>
-              </a:lnRef>
-              <a:fillRef idx="0">
-                <a:schemeClr val="accent1"/>
-              </a:fillRef>
-              <a:effectRef idx="0">
-                <a:schemeClr val="accent1"/>
-              </a:effectRef>
-              <a:fontRef idx="minor">
-                <a:schemeClr val="tx1"/>
-              </a:fontRef>
-            </p:style>
-          </p:cxnSp>
-          <p:sp>
-            <p:nvSpPr>
-              <p:cNvPr id="33" name="직사각형 32">
-                <a:extLst>
-                  <a:ext uri="{FF2B5EF4-FFF2-40B4-BE49-F238E27FC236}">
-                    <a16:creationId xmlns:a16="http://schemas.microsoft.com/office/drawing/2014/main" id="{E63A36F3-24F1-41AB-82B8-D405DB4A39E8}"/>
-                  </a:ext>
-                </a:extLst>
-              </p:cNvPr>
-              <p:cNvSpPr/>
-              <p:nvPr/>
-            </p:nvSpPr>
-            <p:spPr>
-              <a:xfrm>
-                <a:off x="9194043" y="2405963"/>
-                <a:ext cx="1895913" cy="788565"/>
-              </a:xfrm>
-              <a:prstGeom prst="rect">
-                <a:avLst/>
-              </a:prstGeom>
-              <a:ln>
-                <a:noFill/>
-              </a:ln>
-            </p:spPr>
-            <p:style>
-              <a:lnRef idx="2">
-                <a:schemeClr val="accent1">
-                  <a:shade val="50000"/>
-                </a:schemeClr>
-              </a:lnRef>
-              <a:fillRef idx="1">
-                <a:schemeClr val="accent1"/>
-              </a:fillRef>
-              <a:effectRef idx="0">
-                <a:schemeClr val="accent1"/>
-              </a:effectRef>
-              <a:fontRef idx="minor">
-                <a:schemeClr val="lt1"/>
-              </a:fontRef>
-            </p:style>
-            <p:txBody>
-              <a:bodyPr rtlCol="0" anchor="ctr"/>
-              <a:lstStyle/>
-              <a:p>
-                <a:pPr algn="ctr"/>
-                <a:r>
-                  <a:rPr lang="en-US" altLang="ko-KR" dirty="0" err="1">
-                    <a:solidFill>
-                      <a:sysClr val="windowText" lastClr="000000"/>
-                    </a:solidFill>
-                  </a:rPr>
-                  <a:t>RemoveButton</a:t>
-                </a:r>
-                <a:endParaRPr lang="en-US" altLang="ko-KR" dirty="0">
-                  <a:solidFill>
-                    <a:sysClr val="windowText" lastClr="000000"/>
-                  </a:solidFill>
-                </a:endParaRPr>
-              </a:p>
-            </p:txBody>
-          </p:sp>
-          <p:sp>
-            <p:nvSpPr>
-              <p:cNvPr id="35" name="직사각형 34">
-                <a:extLst>
-                  <a:ext uri="{FF2B5EF4-FFF2-40B4-BE49-F238E27FC236}">
-                    <a16:creationId xmlns:a16="http://schemas.microsoft.com/office/drawing/2014/main" id="{4E4CD542-DD85-4624-93BB-46528A601A62}"/>
-                  </a:ext>
-                </a:extLst>
-              </p:cNvPr>
-              <p:cNvSpPr/>
-              <p:nvPr/>
-            </p:nvSpPr>
-            <p:spPr>
-              <a:xfrm>
-                <a:off x="6150329" y="2837942"/>
-                <a:ext cx="2156889" cy="788565"/>
-              </a:xfrm>
-              <a:prstGeom prst="rect">
-                <a:avLst/>
-              </a:prstGeom>
+              </a:rPr>
+              <a:t>NewProjectDialog</a:t>
+            </a:r>
+            <a:endParaRPr lang="en-US" altLang="ko-KR" dirty="0">
               <a:solidFill>
-                <a:srgbClr val="FFFF00"/>
+                <a:sysClr val="windowText" lastClr="000000"/>
               </a:solidFill>
-              <a:ln>
-                <a:noFill/>
-              </a:ln>
-            </p:spPr>
-            <p:style>
-              <a:lnRef idx="2">
-                <a:schemeClr val="accent1">
-                  <a:shade val="50000"/>
-                </a:schemeClr>
-              </a:lnRef>
-              <a:fillRef idx="1">
-                <a:schemeClr val="accent1"/>
-              </a:fillRef>
-              <a:effectRef idx="0">
-                <a:schemeClr val="accent1"/>
-              </a:effectRef>
-              <a:fontRef idx="minor">
-                <a:schemeClr val="lt1"/>
-              </a:fontRef>
-            </p:style>
-            <p:txBody>
-              <a:bodyPr rtlCol="0" anchor="ctr"/>
-              <a:lstStyle/>
-              <a:p>
-                <a:pPr algn="ctr"/>
-                <a:r>
-                  <a:rPr lang="en-US" altLang="ko-KR" dirty="0" err="1">
-                    <a:solidFill>
-                      <a:sysClr val="windowText" lastClr="000000"/>
-                    </a:solidFill>
-                  </a:rPr>
-                  <a:t>NewProjectDialog</a:t>
-                </a:r>
-                <a:endParaRPr lang="en-US" altLang="ko-KR" dirty="0">
-                  <a:solidFill>
-                    <a:sysClr val="windowText" lastClr="000000"/>
-                  </a:solidFill>
-                </a:endParaRPr>
-              </a:p>
-            </p:txBody>
-          </p:sp>
-          <p:cxnSp>
-            <p:nvCxnSpPr>
-              <p:cNvPr id="36" name="직선 화살표 연결선 35">
-                <a:extLst>
-                  <a:ext uri="{FF2B5EF4-FFF2-40B4-BE49-F238E27FC236}">
-                    <a16:creationId xmlns:a16="http://schemas.microsoft.com/office/drawing/2014/main" id="{622ECB51-68EF-45A8-B1C0-2AA291B72879}"/>
-                  </a:ext>
-                </a:extLst>
-              </p:cNvPr>
-              <p:cNvCxnSpPr>
-                <a:cxnSpLocks/>
-                <a:stCxn id="35" idx="1"/>
-                <a:endCxn id="25" idx="3"/>
-              </p:cNvCxnSpPr>
-              <p:nvPr/>
-            </p:nvCxnSpPr>
-            <p:spPr>
-              <a:xfrm flipH="1">
-                <a:off x="5154493" y="3232225"/>
-                <a:ext cx="995836" cy="7009"/>
-              </a:xfrm>
-              <a:prstGeom prst="straightConnector1">
-                <a:avLst/>
-              </a:prstGeom>
-              <a:ln w="57150">
+            </a:endParaRPr>
+          </a:p>
+        </p:txBody>
+      </p:sp>
+      <p:cxnSp>
+        <p:nvCxnSpPr>
+          <p:cNvPr id="36" name="직선 화살표 연결선 35">
+            <a:extLst>
+              <a:ext uri="{FF2B5EF4-FFF2-40B4-BE49-F238E27FC236}">
+                <a16:creationId xmlns:a16="http://schemas.microsoft.com/office/drawing/2014/main" id="{622ECB51-68EF-45A8-B1C0-2AA291B72879}"/>
+              </a:ext>
+            </a:extLst>
+          </p:cNvPr>
+          <p:cNvCxnSpPr>
+            <a:cxnSpLocks/>
+            <a:stCxn id="35" idx="1"/>
+            <a:endCxn id="25" idx="3"/>
+          </p:cNvCxnSpPr>
+          <p:nvPr/>
+        </p:nvCxnSpPr>
+        <p:spPr>
+          <a:xfrm flipH="1">
+            <a:off x="5173900" y="2954603"/>
+            <a:ext cx="995836" cy="7009"/>
+          </a:xfrm>
+          <a:prstGeom prst="straightConnector1">
+            <a:avLst/>
+          </a:prstGeom>
+          <a:ln w="57150">
+            <a:solidFill>
+              <a:schemeClr val="tx1"/>
+            </a:solidFill>
+            <a:tailEnd type="triangle"/>
+          </a:ln>
+        </p:spPr>
+        <p:style>
+          <a:lnRef idx="1">
+            <a:schemeClr val="accent1"/>
+          </a:lnRef>
+          <a:fillRef idx="0">
+            <a:schemeClr val="accent1"/>
+          </a:fillRef>
+          <a:effectRef idx="0">
+            <a:schemeClr val="accent1"/>
+          </a:effectRef>
+          <a:fontRef idx="minor">
+            <a:schemeClr val="tx1"/>
+          </a:fontRef>
+        </p:style>
+      </p:cxnSp>
+      <p:sp>
+        <p:nvSpPr>
+          <p:cNvPr id="37" name="직사각형 36">
+            <a:extLst>
+              <a:ext uri="{FF2B5EF4-FFF2-40B4-BE49-F238E27FC236}">
+                <a16:creationId xmlns:a16="http://schemas.microsoft.com/office/drawing/2014/main" id="{5610F3E5-F778-441F-9793-7FD55B08AA9B}"/>
+              </a:ext>
+            </a:extLst>
+          </p:cNvPr>
+          <p:cNvSpPr/>
+          <p:nvPr/>
+        </p:nvSpPr>
+        <p:spPr>
+          <a:xfrm>
+            <a:off x="9053344" y="2894209"/>
+            <a:ext cx="1895913" cy="788565"/>
+          </a:xfrm>
+          <a:prstGeom prst="rect">
+            <a:avLst/>
+          </a:prstGeom>
+          <a:solidFill>
+            <a:srgbClr val="92D050"/>
+          </a:solidFill>
+          <a:ln>
+            <a:noFill/>
+          </a:ln>
+        </p:spPr>
+        <p:style>
+          <a:lnRef idx="2">
+            <a:schemeClr val="accent1">
+              <a:shade val="50000"/>
+            </a:schemeClr>
+          </a:lnRef>
+          <a:fillRef idx="1">
+            <a:schemeClr val="accent1"/>
+          </a:fillRef>
+          <a:effectRef idx="0">
+            <a:schemeClr val="accent1"/>
+          </a:effectRef>
+          <a:fontRef idx="minor">
+            <a:schemeClr val="lt1"/>
+          </a:fontRef>
+        </p:style>
+        <p:txBody>
+          <a:bodyPr rtlCol="0" anchor="ctr"/>
+          <a:lstStyle/>
+          <a:p>
+            <a:pPr algn="ctr"/>
+            <a:r>
+              <a:rPr lang="en-US" altLang="ko-KR" dirty="0" err="1">
                 <a:solidFill>
-                  <a:schemeClr val="tx1"/>
+                  <a:sysClr val="windowText" lastClr="000000"/>
                 </a:solidFill>
-                <a:tailEnd type="triangle"/>
-              </a:ln>
-            </p:spPr>
-            <p:style>
-              <a:lnRef idx="1">
-                <a:schemeClr val="accent1"/>
-              </a:lnRef>
-              <a:fillRef idx="0">
-                <a:schemeClr val="accent1"/>
-              </a:fillRef>
-              <a:effectRef idx="0">
-                <a:schemeClr val="accent1"/>
-              </a:effectRef>
-              <a:fontRef idx="minor">
-                <a:schemeClr val="tx1"/>
-              </a:fontRef>
-            </p:style>
-          </p:cxnSp>
-          <p:sp>
-            <p:nvSpPr>
-              <p:cNvPr id="37" name="직사각형 36">
-                <a:extLst>
-                  <a:ext uri="{FF2B5EF4-FFF2-40B4-BE49-F238E27FC236}">
-                    <a16:creationId xmlns:a16="http://schemas.microsoft.com/office/drawing/2014/main" id="{5610F3E5-F778-441F-9793-7FD55B08AA9B}"/>
-                  </a:ext>
-                </a:extLst>
-              </p:cNvPr>
-              <p:cNvSpPr/>
-              <p:nvPr/>
-            </p:nvSpPr>
-            <p:spPr>
-              <a:xfrm>
-                <a:off x="9194043" y="5108611"/>
-                <a:ext cx="1895913" cy="788565"/>
-              </a:xfrm>
-              <a:prstGeom prst="rect">
-                <a:avLst/>
-              </a:prstGeom>
+              </a:rPr>
+              <a:t>DocToCode</a:t>
+            </a:r>
+            <a:endParaRPr lang="en-US" altLang="ko-KR" dirty="0">
               <a:solidFill>
-                <a:srgbClr val="92D050"/>
+                <a:sysClr val="windowText" lastClr="000000"/>
               </a:solidFill>
-              <a:ln>
-                <a:noFill/>
-              </a:ln>
-            </p:spPr>
-            <p:style>
-              <a:lnRef idx="2">
-                <a:schemeClr val="accent1">
-                  <a:shade val="50000"/>
-                </a:schemeClr>
-              </a:lnRef>
-              <a:fillRef idx="1">
-                <a:schemeClr val="accent1"/>
-              </a:fillRef>
-              <a:effectRef idx="0">
-                <a:schemeClr val="accent1"/>
-              </a:effectRef>
-              <a:fontRef idx="minor">
-                <a:schemeClr val="lt1"/>
-              </a:fontRef>
-            </p:style>
-            <p:txBody>
-              <a:bodyPr rtlCol="0" anchor="ctr"/>
-              <a:lstStyle/>
-              <a:p>
-                <a:pPr algn="ctr"/>
-                <a:r>
-                  <a:rPr lang="en-US" altLang="ko-KR" dirty="0" err="1">
-                    <a:solidFill>
-                      <a:sysClr val="windowText" lastClr="000000"/>
-                    </a:solidFill>
-                  </a:rPr>
-                  <a:t>DocToCode</a:t>
-                </a:r>
-                <a:endParaRPr lang="en-US" altLang="ko-KR" dirty="0">
-                  <a:solidFill>
-                    <a:sysClr val="windowText" lastClr="000000"/>
-                  </a:solidFill>
-                </a:endParaRPr>
-              </a:p>
-            </p:txBody>
-          </p:sp>
-          <p:cxnSp>
-            <p:nvCxnSpPr>
-              <p:cNvPr id="38" name="직선 화살표 연결선 37">
-                <a:extLst>
-                  <a:ext uri="{FF2B5EF4-FFF2-40B4-BE49-F238E27FC236}">
-                    <a16:creationId xmlns:a16="http://schemas.microsoft.com/office/drawing/2014/main" id="{45F38D92-3F30-4530-894F-492A4C189193}"/>
-                  </a:ext>
-                </a:extLst>
-              </p:cNvPr>
-              <p:cNvCxnSpPr>
-                <a:cxnSpLocks/>
-                <a:stCxn id="37" idx="1"/>
-                <a:endCxn id="28" idx="3"/>
-              </p:cNvCxnSpPr>
-              <p:nvPr/>
-            </p:nvCxnSpPr>
-            <p:spPr>
-              <a:xfrm flipH="1" flipV="1">
-                <a:off x="8307218" y="5006497"/>
-                <a:ext cx="886825" cy="496397"/>
-              </a:xfrm>
-              <a:prstGeom prst="straightConnector1">
-                <a:avLst/>
-              </a:prstGeom>
-              <a:ln w="57150">
-                <a:solidFill>
-                  <a:schemeClr val="tx1"/>
-                </a:solidFill>
-                <a:tailEnd type="triangle"/>
-              </a:ln>
-            </p:spPr>
-            <p:style>
-              <a:lnRef idx="1">
-                <a:schemeClr val="accent1"/>
-              </a:lnRef>
-              <a:fillRef idx="0">
-                <a:schemeClr val="accent1"/>
-              </a:fillRef>
-              <a:effectRef idx="0">
-                <a:schemeClr val="accent1"/>
-              </a:effectRef>
-              <a:fontRef idx="minor">
-                <a:schemeClr val="tx1"/>
-              </a:fontRef>
-            </p:style>
-          </p:cxnSp>
-        </p:grpSp>
-        <p:cxnSp>
-          <p:nvCxnSpPr>
-            <p:cNvPr id="34" name="직선 화살표 연결선 33">
-              <a:extLst>
-                <a:ext uri="{FF2B5EF4-FFF2-40B4-BE49-F238E27FC236}">
-                  <a16:creationId xmlns:a16="http://schemas.microsoft.com/office/drawing/2014/main" id="{C8EFE968-6A81-48EC-9B2B-00A37C0E891D}"/>
-                </a:ext>
-              </a:extLst>
-            </p:cNvPr>
-            <p:cNvCxnSpPr>
-              <a:cxnSpLocks/>
-              <a:stCxn id="33" idx="2"/>
-              <a:endCxn id="30" idx="0"/>
-            </p:cNvCxnSpPr>
-            <p:nvPr/>
-          </p:nvCxnSpPr>
-          <p:spPr>
-            <a:xfrm>
-              <a:off x="10142000" y="3194528"/>
-              <a:ext cx="0" cy="826262"/>
-            </a:xfrm>
-            <a:prstGeom prst="straightConnector1">
-              <a:avLst/>
-            </a:prstGeom>
-            <a:ln w="57150">
-              <a:solidFill>
-                <a:schemeClr val="tx1"/>
-              </a:solidFill>
-              <a:tailEnd type="triangle"/>
-            </a:ln>
-          </p:spPr>
-          <p:style>
-            <a:lnRef idx="1">
-              <a:schemeClr val="accent1"/>
-            </a:lnRef>
-            <a:fillRef idx="0">
-              <a:schemeClr val="accent1"/>
-            </a:fillRef>
-            <a:effectRef idx="0">
-              <a:schemeClr val="accent1"/>
-            </a:effectRef>
-            <a:fontRef idx="minor">
+            </a:endParaRPr>
+          </a:p>
+        </p:txBody>
+      </p:sp>
+      <p:cxnSp>
+        <p:nvCxnSpPr>
+          <p:cNvPr id="38" name="직선 화살표 연결선 37">
+            <a:extLst>
+              <a:ext uri="{FF2B5EF4-FFF2-40B4-BE49-F238E27FC236}">
+                <a16:creationId xmlns:a16="http://schemas.microsoft.com/office/drawing/2014/main" id="{45F38D92-3F30-4530-894F-492A4C189193}"/>
+              </a:ext>
+            </a:extLst>
+          </p:cNvPr>
+          <p:cNvCxnSpPr>
+            <a:cxnSpLocks/>
+            <a:stCxn id="37" idx="1"/>
+          </p:cNvCxnSpPr>
+          <p:nvPr/>
+        </p:nvCxnSpPr>
+        <p:spPr>
+          <a:xfrm flipH="1">
+            <a:off x="8340206" y="3288492"/>
+            <a:ext cx="713138" cy="538854"/>
+          </a:xfrm>
+          <a:prstGeom prst="straightConnector1">
+            <a:avLst/>
+          </a:prstGeom>
+          <a:ln w="57150">
+            <a:solidFill>
               <a:schemeClr val="tx1"/>
-            </a:fontRef>
-          </p:style>
-        </p:cxnSp>
-      </p:grpSp>
+            </a:solidFill>
+            <a:tailEnd type="triangle"/>
+          </a:ln>
+        </p:spPr>
+        <p:style>
+          <a:lnRef idx="1">
+            <a:schemeClr val="accent1"/>
+          </a:lnRef>
+          <a:fillRef idx="0">
+            <a:schemeClr val="accent1"/>
+          </a:fillRef>
+          <a:effectRef idx="0">
+            <a:schemeClr val="accent1"/>
+          </a:effectRef>
+          <a:fontRef idx="minor">
+            <a:schemeClr val="tx1"/>
+          </a:fontRef>
+        </p:style>
+      </p:cxnSp>
+      <p:cxnSp>
+        <p:nvCxnSpPr>
+          <p:cNvPr id="34" name="직선 화살표 연결선 33">
+            <a:extLst>
+              <a:ext uri="{FF2B5EF4-FFF2-40B4-BE49-F238E27FC236}">
+                <a16:creationId xmlns:a16="http://schemas.microsoft.com/office/drawing/2014/main" id="{C8EFE968-6A81-48EC-9B2B-00A37C0E891D}"/>
+              </a:ext>
+            </a:extLst>
+          </p:cNvPr>
+          <p:cNvCxnSpPr>
+            <a:cxnSpLocks/>
+            <a:stCxn id="33" idx="0"/>
+          </p:cNvCxnSpPr>
+          <p:nvPr/>
+        </p:nvCxnSpPr>
+        <p:spPr>
+          <a:xfrm flipV="1">
+            <a:off x="10256204" y="4906501"/>
+            <a:ext cx="0" cy="460079"/>
+          </a:xfrm>
+          <a:prstGeom prst="straightConnector1">
+            <a:avLst/>
+          </a:prstGeom>
+          <a:ln w="57150">
+            <a:solidFill>
+              <a:schemeClr val="tx1"/>
+            </a:solidFill>
+            <a:tailEnd type="triangle"/>
+          </a:ln>
+        </p:spPr>
+        <p:style>
+          <a:lnRef idx="1">
+            <a:schemeClr val="accent1"/>
+          </a:lnRef>
+          <a:fillRef idx="0">
+            <a:schemeClr val="accent1"/>
+          </a:fillRef>
+          <a:effectRef idx="0">
+            <a:schemeClr val="accent1"/>
+          </a:effectRef>
+          <a:fontRef idx="minor">
+            <a:schemeClr val="tx1"/>
+          </a:fontRef>
+        </p:style>
+      </p:cxnSp>
       <p:sp useBgFill="1">
         <p:nvSpPr>
           <p:cNvPr id="16" name="Rectangle 9">
@@ -7646,7 +7599,7 @@
         </p:nvSpPr>
         <p:spPr>
           <a:xfrm>
-            <a:off x="679194" y="4507094"/>
+            <a:off x="1070053" y="3862918"/>
             <a:ext cx="2043829" cy="954107"/>
           </a:xfrm>
           <a:prstGeom prst="rect">
@@ -7725,6 +7678,210 @@
           </a:p>
         </p:txBody>
       </p:sp>
+      <p:sp>
+        <p:nvSpPr>
+          <p:cNvPr id="49" name="타원 48">
+            <a:extLst>
+              <a:ext uri="{FF2B5EF4-FFF2-40B4-BE49-F238E27FC236}">
+                <a16:creationId xmlns:a16="http://schemas.microsoft.com/office/drawing/2014/main" id="{1945496A-5BA1-46DA-BC1E-206F2D4A8403}"/>
+              </a:ext>
+            </a:extLst>
+          </p:cNvPr>
+          <p:cNvSpPr/>
+          <p:nvPr/>
+        </p:nvSpPr>
+        <p:spPr>
+          <a:xfrm>
+            <a:off x="1312197" y="2961612"/>
+            <a:ext cx="1429179" cy="836048"/>
+          </a:xfrm>
+          <a:prstGeom prst="ellipse">
+            <a:avLst/>
+          </a:prstGeom>
+          <a:noFill/>
+          <a:ln w="76200">
+            <a:solidFill>
+              <a:srgbClr val="00B0F0"/>
+            </a:solidFill>
+          </a:ln>
+        </p:spPr>
+        <p:style>
+          <a:lnRef idx="2">
+            <a:schemeClr val="accent1">
+              <a:shade val="50000"/>
+            </a:schemeClr>
+          </a:lnRef>
+          <a:fillRef idx="1">
+            <a:schemeClr val="accent1"/>
+          </a:fillRef>
+          <a:effectRef idx="0">
+            <a:schemeClr val="accent1"/>
+          </a:effectRef>
+          <a:fontRef idx="minor">
+            <a:schemeClr val="lt1"/>
+          </a:fontRef>
+        </p:style>
+        <p:txBody>
+          <a:bodyPr rtlCol="0" anchor="ctr"/>
+          <a:lstStyle/>
+          <a:p>
+            <a:pPr algn="ctr"/>
+            <a:endParaRPr lang="ko-KR" altLang="en-US"/>
+          </a:p>
+        </p:txBody>
+      </p:sp>
+      <p:sp>
+        <p:nvSpPr>
+          <p:cNvPr id="53" name="직사각형 52">
+            <a:extLst>
+              <a:ext uri="{FF2B5EF4-FFF2-40B4-BE49-F238E27FC236}">
+                <a16:creationId xmlns:a16="http://schemas.microsoft.com/office/drawing/2014/main" id="{095A2318-7352-4C29-837E-41E4A06A8869}"/>
+              </a:ext>
+            </a:extLst>
+          </p:cNvPr>
+          <p:cNvSpPr/>
+          <p:nvPr/>
+        </p:nvSpPr>
+        <p:spPr>
+          <a:xfrm>
+            <a:off x="6444293" y="5270901"/>
+            <a:ext cx="1895913" cy="788565"/>
+          </a:xfrm>
+          <a:prstGeom prst="rect">
+            <a:avLst/>
+          </a:prstGeom>
+          <a:ln>
+            <a:noFill/>
+          </a:ln>
+        </p:spPr>
+        <p:style>
+          <a:lnRef idx="2">
+            <a:schemeClr val="accent1">
+              <a:shade val="50000"/>
+            </a:schemeClr>
+          </a:lnRef>
+          <a:fillRef idx="1">
+            <a:schemeClr val="accent1"/>
+          </a:fillRef>
+          <a:effectRef idx="0">
+            <a:schemeClr val="accent1"/>
+          </a:effectRef>
+          <a:fontRef idx="minor">
+            <a:schemeClr val="lt1"/>
+          </a:fontRef>
+        </p:style>
+        <p:txBody>
+          <a:bodyPr rtlCol="0" anchor="ctr"/>
+          <a:lstStyle/>
+          <a:p>
+            <a:pPr algn="ctr"/>
+            <a:r>
+              <a:rPr lang="en-US" altLang="ko-KR" dirty="0" err="1">
+                <a:solidFill>
+                  <a:schemeClr val="bg1"/>
+                </a:solidFill>
+              </a:rPr>
+              <a:t>DataModel</a:t>
+            </a:r>
+            <a:endParaRPr lang="en-US" altLang="ko-KR" dirty="0">
+              <a:solidFill>
+                <a:schemeClr val="bg1"/>
+              </a:solidFill>
+            </a:endParaRPr>
+          </a:p>
+        </p:txBody>
+      </p:sp>
+      <p:cxnSp>
+        <p:nvCxnSpPr>
+          <p:cNvPr id="54" name="직선 화살표 연결선 53">
+            <a:extLst>
+              <a:ext uri="{FF2B5EF4-FFF2-40B4-BE49-F238E27FC236}">
+                <a16:creationId xmlns:a16="http://schemas.microsoft.com/office/drawing/2014/main" id="{8DF0A656-6364-43F0-B9C5-582819FA208E}"/>
+              </a:ext>
+            </a:extLst>
+          </p:cNvPr>
+          <p:cNvCxnSpPr>
+            <a:cxnSpLocks/>
+            <a:stCxn id="53" idx="0"/>
+            <a:endCxn id="28" idx="2"/>
+          </p:cNvCxnSpPr>
+          <p:nvPr/>
+        </p:nvCxnSpPr>
+        <p:spPr>
+          <a:xfrm flipH="1" flipV="1">
+            <a:off x="7378669" y="4364442"/>
+            <a:ext cx="13581" cy="906459"/>
+          </a:xfrm>
+          <a:prstGeom prst="straightConnector1">
+            <a:avLst/>
+          </a:prstGeom>
+          <a:ln w="57150">
+            <a:solidFill>
+              <a:schemeClr val="tx1"/>
+            </a:solidFill>
+            <a:tailEnd type="triangle"/>
+          </a:ln>
+        </p:spPr>
+        <p:style>
+          <a:lnRef idx="1">
+            <a:schemeClr val="accent1"/>
+          </a:lnRef>
+          <a:fillRef idx="0">
+            <a:schemeClr val="accent1"/>
+          </a:fillRef>
+          <a:effectRef idx="0">
+            <a:schemeClr val="accent1"/>
+          </a:effectRef>
+          <a:fontRef idx="minor">
+            <a:schemeClr val="tx1"/>
+          </a:fontRef>
+        </p:style>
+      </p:cxnSp>
+      <p:cxnSp>
+        <p:nvCxnSpPr>
+          <p:cNvPr id="100" name="직선 화살표 연결선 99">
+            <a:extLst>
+              <a:ext uri="{FF2B5EF4-FFF2-40B4-BE49-F238E27FC236}">
+                <a16:creationId xmlns:a16="http://schemas.microsoft.com/office/drawing/2014/main" id="{15C4E18C-E7D3-4200-A58F-DE988EC6A5FD}"/>
+              </a:ext>
+            </a:extLst>
+          </p:cNvPr>
+          <p:cNvCxnSpPr>
+            <a:cxnSpLocks/>
+            <a:stCxn id="53" idx="3"/>
+          </p:cNvCxnSpPr>
+          <p:nvPr/>
+        </p:nvCxnSpPr>
+        <p:spPr>
+          <a:xfrm flipV="1">
+            <a:off x="8340206" y="4876619"/>
+            <a:ext cx="696139" cy="788565"/>
+          </a:xfrm>
+          <a:prstGeom prst="straightConnector1">
+            <a:avLst/>
+          </a:prstGeom>
+          <a:ln w="57150">
+            <a:solidFill>
+              <a:schemeClr val="tx1"/>
+            </a:solidFill>
+            <a:tailEnd type="triangle"/>
+          </a:ln>
+        </p:spPr>
+        <p:style>
+          <a:lnRef idx="1">
+            <a:schemeClr val="accent1"/>
+          </a:lnRef>
+          <a:fillRef idx="0">
+            <a:schemeClr val="accent1"/>
+          </a:fillRef>
+          <a:effectRef idx="0">
+            <a:schemeClr val="accent1"/>
+          </a:effectRef>
+          <a:fontRef idx="minor">
+            <a:schemeClr val="tx1"/>
+          </a:fontRef>
+        </p:style>
+      </p:cxnSp>
       <p:pic>
         <p:nvPicPr>
           <p:cNvPr id="1051" name="그림 1050">
@@ -7747,7 +7904,7 @@
         </p:blipFill>
         <p:spPr>
           <a:xfrm>
-            <a:off x="3636653" y="2172225"/>
+            <a:off x="3511118" y="1846144"/>
             <a:ext cx="5010558" cy="3509934"/>
           </a:xfrm>
           <a:prstGeom prst="rect">
@@ -7782,7 +7939,7 @@
         </p:blipFill>
         <p:spPr>
           <a:xfrm>
-            <a:off x="3337409" y="3004295"/>
+            <a:off x="3063749" y="2665437"/>
             <a:ext cx="6014371" cy="1882249"/>
           </a:xfrm>
           <a:prstGeom prst="rect">
@@ -7804,7 +7961,7 @@
         </p:nvGrpSpPr>
         <p:grpSpPr>
           <a:xfrm>
-            <a:off x="2428523" y="1655046"/>
+            <a:off x="2419979" y="1483797"/>
             <a:ext cx="7024854" cy="4397953"/>
             <a:chOff x="1151761" y="643515"/>
             <a:chExt cx="7024854" cy="4397953"/>
@@ -8067,7 +8224,7 @@
         </p:nvSpPr>
         <p:spPr>
           <a:xfrm>
-            <a:off x="2628995" y="5633239"/>
+            <a:off x="2620451" y="5461990"/>
             <a:ext cx="995836" cy="375083"/>
           </a:xfrm>
           <a:prstGeom prst="ellipse">
@@ -8119,7 +8276,7 @@
         </p:nvSpPr>
         <p:spPr>
           <a:xfrm>
-            <a:off x="3806550" y="5633239"/>
+            <a:off x="3798006" y="5461990"/>
             <a:ext cx="995836" cy="375083"/>
           </a:xfrm>
           <a:prstGeom prst="ellipse">
@@ -8171,7 +8328,7 @@
         </p:nvGrpSpPr>
         <p:grpSpPr>
           <a:xfrm>
-            <a:off x="3904562" y="1609643"/>
+            <a:off x="3886365" y="1493717"/>
             <a:ext cx="4471332" cy="4397953"/>
             <a:chOff x="7877233" y="643515"/>
             <a:chExt cx="4471332" cy="4397953"/>
@@ -8329,7 +8486,7 @@
         </p:nvSpPr>
         <p:spPr>
           <a:xfrm>
-            <a:off x="5414339" y="5606190"/>
+            <a:off x="5396142" y="5490264"/>
             <a:ext cx="1397786" cy="339405"/>
           </a:xfrm>
           <a:prstGeom prst="ellipse">
@@ -8381,7 +8538,7 @@
         </p:nvSpPr>
         <p:spPr>
           <a:xfrm>
-            <a:off x="6908419" y="5621842"/>
+            <a:off x="6890222" y="5505916"/>
             <a:ext cx="1397786" cy="339405"/>
           </a:xfrm>
           <a:prstGeom prst="ellipse">
@@ -8433,7 +8590,7 @@
         </p:nvSpPr>
         <p:spPr>
           <a:xfrm>
-            <a:off x="4016553" y="5606191"/>
+            <a:off x="3998356" y="5490265"/>
             <a:ext cx="1397786" cy="339405"/>
           </a:xfrm>
           <a:prstGeom prst="ellipse">
@@ -8471,36 +8628,6 @@
           </a:p>
         </p:txBody>
       </p:sp>
-      <p:pic>
-        <p:nvPicPr>
-          <p:cNvPr id="3" name="그림 2">
-            <a:extLst>
-              <a:ext uri="{FF2B5EF4-FFF2-40B4-BE49-F238E27FC236}">
-                <a16:creationId xmlns:a16="http://schemas.microsoft.com/office/drawing/2014/main" id="{094125AF-CFE0-44EA-967F-5D49BC84D6CE}"/>
-              </a:ext>
-            </a:extLst>
-          </p:cNvPr>
-          <p:cNvPicPr>
-            <a:picLocks noChangeAspect="1"/>
-          </p:cNvPicPr>
-          <p:nvPr/>
-        </p:nvPicPr>
-        <p:blipFill>
-          <a:blip r:embed="rId7"/>
-          <a:stretch>
-            <a:fillRect/>
-          </a:stretch>
-        </p:blipFill>
-        <p:spPr>
-          <a:xfrm>
-            <a:off x="3721367" y="1503733"/>
-            <a:ext cx="4762500" cy="4591050"/>
-          </a:xfrm>
-          <a:prstGeom prst="rect">
-            <a:avLst/>
-          </a:prstGeom>
-        </p:spPr>
-      </p:pic>
       <p:cxnSp>
         <p:nvCxnSpPr>
           <p:cNvPr id="1061" name="직선 화살표 연결선 1060">
@@ -8518,8 +8645,8 @@
         </p:nvCxnSpPr>
         <p:spPr>
           <a:xfrm flipV="1">
-            <a:off x="8306205" y="5621842"/>
-            <a:ext cx="944852" cy="169703"/>
+            <a:off x="8288008" y="3639475"/>
+            <a:ext cx="1253119" cy="2036144"/>
           </a:xfrm>
           <a:prstGeom prst="straightConnector1">
             <a:avLst/>
@@ -8551,6 +8678,36 @@
       </p:cxnSp>
       <p:pic>
         <p:nvPicPr>
+          <p:cNvPr id="3" name="그림 2">
+            <a:extLst>
+              <a:ext uri="{FF2B5EF4-FFF2-40B4-BE49-F238E27FC236}">
+                <a16:creationId xmlns:a16="http://schemas.microsoft.com/office/drawing/2014/main" id="{094125AF-CFE0-44EA-967F-5D49BC84D6CE}"/>
+              </a:ext>
+            </a:extLst>
+          </p:cNvPr>
+          <p:cNvPicPr>
+            <a:picLocks noChangeAspect="1"/>
+          </p:cNvPicPr>
+          <p:nvPr/>
+        </p:nvPicPr>
+        <p:blipFill>
+          <a:blip r:embed="rId7"/>
+          <a:stretch>
+            <a:fillRect/>
+          </a:stretch>
+        </p:blipFill>
+        <p:spPr>
+          <a:xfrm>
+            <a:off x="3833905" y="1343950"/>
+            <a:ext cx="4762500" cy="4591050"/>
+          </a:xfrm>
+          <a:prstGeom prst="rect">
+            <a:avLst/>
+          </a:prstGeom>
+        </p:spPr>
+      </p:pic>
+      <p:pic>
+        <p:nvPicPr>
           <p:cNvPr id="107" name="그림 106">
             <a:extLst>
               <a:ext uri="{FF2B5EF4-FFF2-40B4-BE49-F238E27FC236}">
@@ -8576,7 +8733,7 @@
         </p:blipFill>
         <p:spPr>
           <a:xfrm>
-            <a:off x="3101471" y="2464947"/>
+            <a:off x="3154186" y="1909645"/>
             <a:ext cx="6060365" cy="2881730"/>
           </a:xfrm>
           <a:prstGeom prst="rect">
@@ -8586,10 +8743,10 @@
       </p:pic>
       <p:sp>
         <p:nvSpPr>
-          <p:cNvPr id="49" name="타원 48">
-            <a:extLst>
-              <a:ext uri="{FF2B5EF4-FFF2-40B4-BE49-F238E27FC236}">
-                <a16:creationId xmlns:a16="http://schemas.microsoft.com/office/drawing/2014/main" id="{1945496A-5BA1-46DA-BC1E-206F2D4A8403}"/>
+          <p:cNvPr id="1058" name="타원 1057">
+            <a:extLst>
+              <a:ext uri="{FF2B5EF4-FFF2-40B4-BE49-F238E27FC236}">
+                <a16:creationId xmlns:a16="http://schemas.microsoft.com/office/drawing/2014/main" id="{CEA092AD-8C26-4683-A9C2-26056B8AF576}"/>
               </a:ext>
             </a:extLst>
           </p:cNvPr>
@@ -8598,59 +8755,7 @@
         </p:nvSpPr>
         <p:spPr>
           <a:xfrm>
-            <a:off x="921338" y="3605788"/>
-            <a:ext cx="1429179" cy="836048"/>
-          </a:xfrm>
-          <a:prstGeom prst="ellipse">
-            <a:avLst/>
-          </a:prstGeom>
-          <a:noFill/>
-          <a:ln w="76200">
-            <a:solidFill>
-              <a:srgbClr val="00B0F0"/>
-            </a:solidFill>
-          </a:ln>
-        </p:spPr>
-        <p:style>
-          <a:lnRef idx="2">
-            <a:schemeClr val="accent1">
-              <a:shade val="50000"/>
-            </a:schemeClr>
-          </a:lnRef>
-          <a:fillRef idx="1">
-            <a:schemeClr val="accent1"/>
-          </a:fillRef>
-          <a:effectRef idx="0">
-            <a:schemeClr val="accent1"/>
-          </a:effectRef>
-          <a:fontRef idx="minor">
-            <a:schemeClr val="lt1"/>
-          </a:fontRef>
-        </p:style>
-        <p:txBody>
-          <a:bodyPr rtlCol="0" anchor="ctr"/>
-          <a:lstStyle/>
-          <a:p>
-            <a:pPr algn="ctr"/>
-            <a:endParaRPr lang="ko-KR" altLang="en-US"/>
-          </a:p>
-        </p:txBody>
-      </p:sp>
-      <p:sp>
-        <p:nvSpPr>
-          <p:cNvPr id="1058" name="타원 1057">
-            <a:extLst>
-              <a:ext uri="{FF2B5EF4-FFF2-40B4-BE49-F238E27FC236}">
-                <a16:creationId xmlns:a16="http://schemas.microsoft.com/office/drawing/2014/main" id="{CEA092AD-8C26-4683-A9C2-26056B8AF576}"/>
-              </a:ext>
-            </a:extLst>
-          </p:cNvPr>
-          <p:cNvSpPr/>
-          <p:nvPr/>
-        </p:nvSpPr>
-        <p:spPr>
-          <a:xfrm>
-            <a:off x="6019966" y="2908043"/>
+            <a:off x="6065117" y="2393356"/>
             <a:ext cx="628221" cy="439311"/>
           </a:xfrm>
           <a:prstGeom prst="ellipse">
@@ -8702,7 +8807,7 @@
         </p:nvSpPr>
         <p:spPr>
           <a:xfrm>
-            <a:off x="3035462" y="2908043"/>
+            <a:off x="3080613" y="2393356"/>
             <a:ext cx="628221" cy="439311"/>
           </a:xfrm>
           <a:prstGeom prst="ellipse">
@@ -8754,7 +8859,7 @@
         </p:nvSpPr>
         <p:spPr>
           <a:xfrm>
-            <a:off x="5615121" y="3865197"/>
+            <a:off x="5660272" y="3350510"/>
             <a:ext cx="1033066" cy="439311"/>
           </a:xfrm>
           <a:prstGeom prst="ellipse">
@@ -8806,7 +8911,7 @@
         </p:nvSpPr>
         <p:spPr>
           <a:xfrm>
-            <a:off x="5569658" y="4643430"/>
+            <a:off x="5614809" y="4128743"/>
             <a:ext cx="1033066" cy="439311"/>
           </a:xfrm>
           <a:prstGeom prst="ellipse">
@@ -8858,7 +8963,7 @@
         </p:nvSpPr>
         <p:spPr>
           <a:xfrm>
-            <a:off x="8149327" y="4308613"/>
+            <a:off x="8194478" y="3793926"/>
             <a:ext cx="1033066" cy="439311"/>
           </a:xfrm>
           <a:prstGeom prst="ellipse">
@@ -8930,7 +9035,7 @@
                             </p:stCondLst>
                             <p:childTnLst>
                               <p:par>
-                                <p:cTn id="5" presetID="10" presetClass="entr" presetSubtype="0" fill="hold" grpId="2" nodeType="clickEffect">
+                                <p:cTn id="5" presetID="10" presetClass="entr" presetSubtype="0" fill="hold" grpId="1" nodeType="clickEffect">
                                   <p:stCondLst>
                                     <p:cond delay="0"/>
                                   </p:stCondLst>
@@ -9089,14 +9194,59 @@
                             </p:stCondLst>
                             <p:childTnLst>
                               <p:par>
-                                <p:cTn id="20" presetID="42" presetClass="path" presetSubtype="0" accel="50000" decel="50000" fill="hold" nodeType="clickEffect">
+                                <p:cTn id="20" presetID="1" presetClass="exit" presetSubtype="0" fill="hold" grpId="0" nodeType="clickEffect">
                                   <p:stCondLst>
                                     <p:cond delay="0"/>
                                   </p:stCondLst>
                                   <p:childTnLst>
-                                    <p:animMotion origin="layout" path="M 3.95833E-6 -3.7037E-6 L -0.15677 -0.09745 " pathEditMode="relative" rAng="0" ptsTypes="AA">
+                                    <p:set>
                                       <p:cBhvr>
-                                        <p:cTn id="21" dur="1000" fill="hold"/>
+                                        <p:cTn id="21" dur="1" fill="hold">
+                                          <p:stCondLst>
+                                            <p:cond delay="0"/>
+                                          </p:stCondLst>
+                                        </p:cTn>
+                                        <p:tgtEl>
+                                          <p:spTgt spid="49"/>
+                                        </p:tgtEl>
+                                        <p:attrNameLst>
+                                          <p:attrName>style.visibility</p:attrName>
+                                        </p:attrNameLst>
+                                      </p:cBhvr>
+                                      <p:to>
+                                        <p:strVal val="hidden"/>
+                                      </p:to>
+                                    </p:set>
+                                  </p:childTnLst>
+                                </p:cTn>
+                              </p:par>
+                            </p:childTnLst>
+                          </p:cTn>
+                        </p:par>
+                      </p:childTnLst>
+                    </p:cTn>
+                  </p:par>
+                  <p:par>
+                    <p:cTn id="22" fill="hold">
+                      <p:stCondLst>
+                        <p:cond delay="indefinite"/>
+                      </p:stCondLst>
+                      <p:childTnLst>
+                        <p:par>
+                          <p:cTn id="23" fill="hold">
+                            <p:stCondLst>
+                              <p:cond delay="0"/>
+                            </p:stCondLst>
+                            <p:childTnLst>
+                              <p:par>
+                                <p:cTn id="24" presetID="42" presetClass="path" presetSubtype="0" accel="50000" decel="50000" fill="hold" nodeType="clickEffect">
+                                  <p:stCondLst>
+                                    <p:cond delay="0"/>
+                                  </p:stCondLst>
+                                  <p:childTnLst>
+                                    <p:animMotion origin="layout" path="M 0.00794 -0.11134 L -0.14909 -0.16505 " pathEditMode="relative" rAng="0" ptsTypes="AA">
+                                      <p:cBhvr>
+                                        <p:cTn id="25" dur="1000" fill="hold"/>
                                         <p:tgtEl>
                                           <p:spTgt spid="1051"/>
                                         </p:tgtEl>
@@ -9105,20 +9255,20 @@
                                           <p:attrName>ppt_y</p:attrName>
                                         </p:attrNameLst>
                                       </p:cBhvr>
-                                      <p:rCtr x="-7839" y="-4884"/>
+                                      <p:rCtr x="-7852" y="-2685"/>
                                     </p:animMotion>
                                   </p:childTnLst>
                                 </p:cTn>
                               </p:par>
                               <p:par>
-                                <p:cTn id="22" presetID="6" presetClass="emph" presetSubtype="0" fill="hold" nodeType="withEffect">
+                                <p:cTn id="26" presetID="6" presetClass="emph" presetSubtype="0" fill="hold" nodeType="withEffect">
                                   <p:stCondLst>
                                     <p:cond delay="0"/>
                                   </p:stCondLst>
                                   <p:childTnLst>
                                     <p:animScale>
                                       <p:cBhvr>
-                                        <p:cTn id="23" dur="1000" fill="hold"/>
+                                        <p:cTn id="27" dur="1000" fill="hold"/>
                                         <p:tgtEl>
                                           <p:spTgt spid="1051"/>
                                         </p:tgtEl>
@@ -9135,26 +9285,26 @@
                     </p:cTn>
                   </p:par>
                   <p:par>
-                    <p:cTn id="24" fill="hold">
+                    <p:cTn id="28" fill="hold">
                       <p:stCondLst>
                         <p:cond delay="indefinite"/>
                       </p:stCondLst>
                       <p:childTnLst>
                         <p:par>
-                          <p:cTn id="25" fill="hold">
+                          <p:cTn id="29" fill="hold">
                             <p:stCondLst>
                               <p:cond delay="0"/>
                             </p:stCondLst>
                             <p:childTnLst>
                               <p:par>
-                                <p:cTn id="26" presetID="10" presetClass="entr" presetSubtype="0" fill="hold" nodeType="clickEffect">
+                                <p:cTn id="30" presetID="10" presetClass="entr" presetSubtype="0" fill="hold" nodeType="clickEffect">
                                   <p:stCondLst>
                                     <p:cond delay="0"/>
                                   </p:stCondLst>
                                   <p:childTnLst>
                                     <p:set>
                                       <p:cBhvr>
-                                        <p:cTn id="27" dur="1" fill="hold">
+                                        <p:cTn id="31" dur="1" fill="hold">
                                           <p:stCondLst>
                                             <p:cond delay="0"/>
                                           </p:stCondLst>
@@ -9172,7 +9322,7 @@
                                     </p:set>
                                     <p:animEffect transition="in" filter="fade">
                                       <p:cBhvr>
-                                        <p:cTn id="28" dur="500"/>
+                                        <p:cTn id="32" dur="500"/>
                                         <p:tgtEl>
                                           <p:spTgt spid="106"/>
                                         </p:tgtEl>
@@ -9188,26 +9338,26 @@
                     </p:cTn>
                   </p:par>
                   <p:par>
-                    <p:cTn id="29" fill="hold">
+                    <p:cTn id="33" fill="hold">
                       <p:stCondLst>
                         <p:cond delay="indefinite"/>
                       </p:stCondLst>
                       <p:childTnLst>
                         <p:par>
-                          <p:cTn id="30" fill="hold">
+                          <p:cTn id="34" fill="hold">
                             <p:stCondLst>
                               <p:cond delay="0"/>
                             </p:stCondLst>
                             <p:childTnLst>
                               <p:par>
-                                <p:cTn id="31" presetID="42" presetClass="path" presetSubtype="0" accel="50000" decel="50000" fill="hold" nodeType="clickEffect">
+                                <p:cTn id="35" presetID="42" presetClass="path" presetSubtype="0" accel="50000" decel="50000" fill="hold" nodeType="clickEffect">
                                   <p:stCondLst>
                                     <p:cond delay="0"/>
                                   </p:stCondLst>
                                   <p:childTnLst>
-                                    <p:animMotion origin="layout" path="M -0.03346 0.01042 L 0.06758 -0.12986 " pathEditMode="relative" rAng="0" ptsTypes="AA">
+                                    <p:animMotion origin="layout" path="M 3.95833E-6 -2.96296E-6 L 0.10104 -0.14027 " pathEditMode="relative" rAng="0" ptsTypes="AA">
                                       <p:cBhvr>
-                                        <p:cTn id="32" dur="1000" fill="hold"/>
+                                        <p:cTn id="36" dur="1000" fill="hold"/>
                                         <p:tgtEl>
                                           <p:spTgt spid="106"/>
                                         </p:tgtEl>
@@ -9222,14 +9372,14 @@
                                 </p:cTn>
                               </p:par>
                               <p:par>
-                                <p:cTn id="33" presetID="6" presetClass="emph" presetSubtype="0" fill="hold" nodeType="withEffect">
+                                <p:cTn id="37" presetID="6" presetClass="emph" presetSubtype="0" fill="hold" nodeType="withEffect">
                                   <p:stCondLst>
                                     <p:cond delay="0"/>
                                   </p:stCondLst>
                                   <p:childTnLst>
                                     <p:animScale>
                                       <p:cBhvr>
-                                        <p:cTn id="34" dur="1000" fill="hold"/>
+                                        <p:cTn id="38" dur="1000" fill="hold"/>
                                         <p:tgtEl>
                                           <p:spTgt spid="106"/>
                                         </p:tgtEl>
@@ -9246,26 +9396,26 @@
                     </p:cTn>
                   </p:par>
                   <p:par>
-                    <p:cTn id="35" fill="hold">
+                    <p:cTn id="39" fill="hold">
                       <p:stCondLst>
                         <p:cond delay="indefinite"/>
                       </p:stCondLst>
                       <p:childTnLst>
                         <p:par>
-                          <p:cTn id="36" fill="hold">
+                          <p:cTn id="40" fill="hold">
                             <p:stCondLst>
                               <p:cond delay="0"/>
                             </p:stCondLst>
                             <p:childTnLst>
                               <p:par>
-                                <p:cTn id="37" presetID="10" presetClass="entr" presetSubtype="0" fill="hold" nodeType="clickEffect">
+                                <p:cTn id="41" presetID="10" presetClass="entr" presetSubtype="0" fill="hold" nodeType="clickEffect">
                                   <p:stCondLst>
                                     <p:cond delay="0"/>
                                   </p:stCondLst>
                                   <p:childTnLst>
                                     <p:set>
                                       <p:cBhvr>
-                                        <p:cTn id="38" dur="1" fill="hold">
+                                        <p:cTn id="42" dur="1" fill="hold">
                                           <p:stCondLst>
                                             <p:cond delay="0"/>
                                           </p:stCondLst>
@@ -9283,7 +9433,7 @@
                                     </p:set>
                                     <p:animEffect transition="in" filter="fade">
                                       <p:cBhvr>
-                                        <p:cTn id="39" dur="500"/>
+                                        <p:cTn id="43" dur="500"/>
                                         <p:tgtEl>
                                           <p:spTgt spid="94"/>
                                         </p:tgtEl>
@@ -9299,26 +9449,26 @@
                     </p:cTn>
                   </p:par>
                   <p:par>
-                    <p:cTn id="40" fill="hold">
+                    <p:cTn id="44" fill="hold">
                       <p:stCondLst>
                         <p:cond delay="indefinite"/>
                       </p:stCondLst>
                       <p:childTnLst>
                         <p:par>
-                          <p:cTn id="41" fill="hold">
+                          <p:cTn id="45" fill="hold">
                             <p:stCondLst>
                               <p:cond delay="0"/>
                             </p:stCondLst>
                             <p:childTnLst>
                               <p:par>
-                                <p:cTn id="42" presetID="10" presetClass="entr" presetSubtype="0" fill="hold" grpId="0" nodeType="clickEffect">
+                                <p:cTn id="46" presetID="10" presetClass="entr" presetSubtype="0" fill="hold" grpId="0" nodeType="clickEffect">
                                   <p:stCondLst>
                                     <p:cond delay="0"/>
                                   </p:stCondLst>
                                   <p:childTnLst>
                                     <p:set>
                                       <p:cBhvr>
-                                        <p:cTn id="43" dur="1" fill="hold">
+                                        <p:cTn id="47" dur="1" fill="hold">
                                           <p:stCondLst>
                                             <p:cond delay="0"/>
                                           </p:stCondLst>
@@ -9336,7 +9486,7 @@
                                     </p:set>
                                     <p:animEffect transition="in" filter="fade">
                                       <p:cBhvr>
-                                        <p:cTn id="44" dur="500"/>
+                                        <p:cTn id="48" dur="500"/>
                                         <p:tgtEl>
                                           <p:spTgt spid="1055"/>
                                         </p:tgtEl>
@@ -9352,26 +9502,26 @@
                     </p:cTn>
                   </p:par>
                   <p:par>
-                    <p:cTn id="45" fill="hold">
+                    <p:cTn id="49" fill="hold">
                       <p:stCondLst>
                         <p:cond delay="indefinite"/>
                       </p:stCondLst>
                       <p:childTnLst>
                         <p:par>
-                          <p:cTn id="46" fill="hold">
+                          <p:cTn id="50" fill="hold">
                             <p:stCondLst>
                               <p:cond delay="0"/>
                             </p:stCondLst>
                             <p:childTnLst>
                               <p:par>
-                                <p:cTn id="47" presetID="10" presetClass="entr" presetSubtype="0" fill="hold" grpId="0" nodeType="clickEffect">
+                                <p:cTn id="51" presetID="10" presetClass="entr" presetSubtype="0" fill="hold" grpId="0" nodeType="clickEffect">
                                   <p:stCondLst>
                                     <p:cond delay="0"/>
                                   </p:stCondLst>
                                   <p:childTnLst>
                                     <p:set>
                                       <p:cBhvr>
-                                        <p:cTn id="48" dur="1" fill="hold">
+                                        <p:cTn id="52" dur="1" fill="hold">
                                           <p:stCondLst>
                                             <p:cond delay="0"/>
                                           </p:stCondLst>
@@ -9389,7 +9539,7 @@
                                     </p:set>
                                     <p:animEffect transition="in" filter="fade">
                                       <p:cBhvr>
-                                        <p:cTn id="49" dur="500"/>
+                                        <p:cTn id="53" dur="500"/>
                                         <p:tgtEl>
                                           <p:spTgt spid="113"/>
                                         </p:tgtEl>
@@ -9405,26 +9555,26 @@
                     </p:cTn>
                   </p:par>
                   <p:par>
-                    <p:cTn id="50" fill="hold">
+                    <p:cTn id="54" fill="hold">
                       <p:stCondLst>
                         <p:cond delay="indefinite"/>
                       </p:stCondLst>
                       <p:childTnLst>
                         <p:par>
-                          <p:cTn id="51" fill="hold">
+                          <p:cTn id="55" fill="hold">
                             <p:stCondLst>
                               <p:cond delay="0"/>
                             </p:stCondLst>
                             <p:childTnLst>
                               <p:par>
-                                <p:cTn id="52" presetID="42" presetClass="path" presetSubtype="0" accel="50000" decel="50000" fill="hold" nodeType="clickEffect">
+                                <p:cTn id="56" presetID="42" presetClass="path" presetSubtype="0" accel="50000" decel="50000" fill="hold" nodeType="clickEffect">
                                   <p:stCondLst>
                                     <p:cond delay="0"/>
                                   </p:stCondLst>
                                   <p:childTnLst>
-                                    <p:animMotion origin="layout" path="M 4.16667E-7 2.96296E-6 L -0.13711 0.23588 " pathEditMode="relative" rAng="0" ptsTypes="AA">
+                                    <p:animMotion origin="layout" path="M 1.45833E-6 2.96296E-6 L -0.12422 0.11342 " pathEditMode="relative" rAng="0" ptsTypes="AA">
                                       <p:cBhvr>
-                                        <p:cTn id="53" dur="1000" fill="hold"/>
+                                        <p:cTn id="57" dur="1000" fill="hold"/>
                                         <p:tgtEl>
                                           <p:spTgt spid="94"/>
                                         </p:tgtEl>
@@ -9433,20 +9583,20 @@
                                           <p:attrName>ppt_y</p:attrName>
                                         </p:attrNameLst>
                                       </p:cBhvr>
-                                      <p:rCtr x="-6862" y="11782"/>
+                                      <p:rCtr x="-6211" y="5671"/>
                                     </p:animMotion>
                                   </p:childTnLst>
                                 </p:cTn>
                               </p:par>
                               <p:par>
-                                <p:cTn id="54" presetID="1" presetClass="exit" presetSubtype="0" fill="hold" grpId="1" nodeType="withEffect">
+                                <p:cTn id="58" presetID="1" presetClass="exit" presetSubtype="0" fill="hold" grpId="1" nodeType="withEffect">
                                   <p:stCondLst>
                                     <p:cond delay="0"/>
                                   </p:stCondLst>
                                   <p:childTnLst>
                                     <p:set>
                                       <p:cBhvr>
-                                        <p:cTn id="55" dur="1" fill="hold">
+                                        <p:cTn id="59" dur="1" fill="hold">
                                           <p:stCondLst>
                                             <p:cond delay="0"/>
                                           </p:stCondLst>
@@ -9466,14 +9616,14 @@
                                 </p:cTn>
                               </p:par>
                               <p:par>
-                                <p:cTn id="56" presetID="1" presetClass="exit" presetSubtype="0" fill="hold" grpId="1" nodeType="withEffect">
+                                <p:cTn id="60" presetID="1" presetClass="exit" presetSubtype="0" fill="hold" grpId="1" nodeType="withEffect">
                                   <p:stCondLst>
                                     <p:cond delay="0"/>
                                   </p:stCondLst>
                                   <p:childTnLst>
                                     <p:set>
                                       <p:cBhvr>
-                                        <p:cTn id="57" dur="1" fill="hold">
+                                        <p:cTn id="61" dur="1" fill="hold">
                                           <p:stCondLst>
                                             <p:cond delay="0"/>
                                           </p:stCondLst>
@@ -9493,14 +9643,14 @@
                                 </p:cTn>
                               </p:par>
                               <p:par>
-                                <p:cTn id="58" presetID="6" presetClass="emph" presetSubtype="0" fill="hold" nodeType="withEffect">
+                                <p:cTn id="62" presetID="6" presetClass="emph" presetSubtype="0" fill="hold" nodeType="withEffect">
                                   <p:stCondLst>
                                     <p:cond delay="0"/>
                                   </p:stCondLst>
                                   <p:childTnLst>
                                     <p:animScale>
                                       <p:cBhvr>
-                                        <p:cTn id="59" dur="1000" fill="hold"/>
+                                        <p:cTn id="63" dur="1000" fill="hold"/>
                                         <p:tgtEl>
                                           <p:spTgt spid="94"/>
                                         </p:tgtEl>
@@ -9517,26 +9667,26 @@
                     </p:cTn>
                   </p:par>
                   <p:par>
-                    <p:cTn id="60" fill="hold">
+                    <p:cTn id="64" fill="hold">
                       <p:stCondLst>
                         <p:cond delay="indefinite"/>
                       </p:stCondLst>
                       <p:childTnLst>
                         <p:par>
-                          <p:cTn id="61" fill="hold">
+                          <p:cTn id="65" fill="hold">
                             <p:stCondLst>
                               <p:cond delay="0"/>
                             </p:stCondLst>
                             <p:childTnLst>
                               <p:par>
-                                <p:cTn id="62" presetID="10" presetClass="entr" presetSubtype="0" fill="hold" nodeType="clickEffect">
+                                <p:cTn id="66" presetID="10" presetClass="entr" presetSubtype="0" fill="hold" nodeType="clickEffect">
                                   <p:stCondLst>
                                     <p:cond delay="0"/>
                                   </p:stCondLst>
                                   <p:childTnLst>
                                     <p:set>
                                       <p:cBhvr>
-                                        <p:cTn id="63" dur="1" fill="hold">
+                                        <p:cTn id="67" dur="1" fill="hold">
                                           <p:stCondLst>
                                             <p:cond delay="0"/>
                                           </p:stCondLst>
@@ -9554,7 +9704,7 @@
                                     </p:set>
                                     <p:animEffect transition="in" filter="fade">
                                       <p:cBhvr>
-                                        <p:cTn id="64" dur="500"/>
+                                        <p:cTn id="68" dur="500"/>
                                         <p:tgtEl>
                                           <p:spTgt spid="101"/>
                                         </p:tgtEl>
@@ -9570,26 +9720,26 @@
                     </p:cTn>
                   </p:par>
                   <p:par>
-                    <p:cTn id="65" fill="hold">
+                    <p:cTn id="69" fill="hold">
                       <p:stCondLst>
                         <p:cond delay="indefinite"/>
                       </p:stCondLst>
                       <p:childTnLst>
                         <p:par>
-                          <p:cTn id="66" fill="hold">
+                          <p:cTn id="70" fill="hold">
                             <p:stCondLst>
                               <p:cond delay="0"/>
                             </p:stCondLst>
                             <p:childTnLst>
                               <p:par>
-                                <p:cTn id="67" presetID="10" presetClass="entr" presetSubtype="0" fill="hold" nodeType="clickEffect">
+                                <p:cTn id="71" presetID="10" presetClass="entr" presetSubtype="0" fill="hold" nodeType="clickEffect">
                                   <p:stCondLst>
                                     <p:cond delay="0"/>
                                   </p:stCondLst>
                                   <p:childTnLst>
                                     <p:set>
                                       <p:cBhvr>
-                                        <p:cTn id="68" dur="1" fill="hold">
+                                        <p:cTn id="72" dur="1" fill="hold">
                                           <p:stCondLst>
                                             <p:cond delay="0"/>
                                           </p:stCondLst>
@@ -9607,7 +9757,7 @@
                                     </p:set>
                                     <p:animEffect transition="in" filter="fade">
                                       <p:cBhvr>
-                                        <p:cTn id="69" dur="500"/>
+                                        <p:cTn id="73" dur="500"/>
                                         <p:tgtEl>
                                           <p:spTgt spid="3"/>
                                         </p:tgtEl>
@@ -9623,26 +9773,26 @@
                     </p:cTn>
                   </p:par>
                   <p:par>
-                    <p:cTn id="70" fill="hold">
+                    <p:cTn id="74" fill="hold">
                       <p:stCondLst>
                         <p:cond delay="indefinite"/>
                       </p:stCondLst>
                       <p:childTnLst>
                         <p:par>
-                          <p:cTn id="71" fill="hold">
+                          <p:cTn id="75" fill="hold">
                             <p:stCondLst>
                               <p:cond delay="0"/>
                             </p:stCondLst>
                             <p:childTnLst>
                               <p:par>
-                                <p:cTn id="72" presetID="1" presetClass="exit" presetSubtype="0" fill="hold" nodeType="clickEffect">
+                                <p:cTn id="76" presetID="1" presetClass="exit" presetSubtype="0" fill="hold" nodeType="clickEffect">
                                   <p:stCondLst>
                                     <p:cond delay="0"/>
                                   </p:stCondLst>
                                   <p:childTnLst>
                                     <p:set>
                                       <p:cBhvr>
-                                        <p:cTn id="73" dur="1" fill="hold">
+                                        <p:cTn id="77" dur="1" fill="hold">
                                           <p:stCondLst>
                                             <p:cond delay="0"/>
                                           </p:stCondLst>
@@ -9668,26 +9818,26 @@
                     </p:cTn>
                   </p:par>
                   <p:par>
-                    <p:cTn id="74" fill="hold">
+                    <p:cTn id="78" fill="hold">
                       <p:stCondLst>
                         <p:cond delay="indefinite"/>
                       </p:stCondLst>
                       <p:childTnLst>
                         <p:par>
-                          <p:cTn id="75" fill="hold">
+                          <p:cTn id="79" fill="hold">
                             <p:stCondLst>
                               <p:cond delay="0"/>
                             </p:stCondLst>
                             <p:childTnLst>
                               <p:par>
-                                <p:cTn id="76" presetID="10" presetClass="entr" presetSubtype="0" fill="hold" grpId="0" nodeType="clickEffect">
+                                <p:cTn id="80" presetID="10" presetClass="entr" presetSubtype="0" fill="hold" grpId="0" nodeType="clickEffect">
                                   <p:stCondLst>
                                     <p:cond delay="0"/>
                                   </p:stCondLst>
                                   <p:childTnLst>
                                     <p:set>
                                       <p:cBhvr>
-                                        <p:cTn id="77" dur="1" fill="hold">
+                                        <p:cTn id="81" dur="1" fill="hold">
                                           <p:stCondLst>
                                             <p:cond delay="0"/>
                                           </p:stCondLst>
@@ -9705,7 +9855,7 @@
                                     </p:set>
                                     <p:animEffect transition="in" filter="fade">
                                       <p:cBhvr>
-                                        <p:cTn id="78" dur="500"/>
+                                        <p:cTn id="82" dur="500"/>
                                         <p:tgtEl>
                                           <p:spTgt spid="115"/>
                                         </p:tgtEl>
@@ -9721,26 +9871,26 @@
                     </p:cTn>
                   </p:par>
                   <p:par>
-                    <p:cTn id="79" fill="hold">
+                    <p:cTn id="83" fill="hold">
                       <p:stCondLst>
                         <p:cond delay="indefinite"/>
                       </p:stCondLst>
                       <p:childTnLst>
                         <p:par>
-                          <p:cTn id="80" fill="hold">
+                          <p:cTn id="84" fill="hold">
                             <p:stCondLst>
                               <p:cond delay="0"/>
                             </p:stCondLst>
                             <p:childTnLst>
                               <p:par>
-                                <p:cTn id="81" presetID="10" presetClass="entr" presetSubtype="0" fill="hold" grpId="0" nodeType="clickEffect">
+                                <p:cTn id="85" presetID="10" presetClass="entr" presetSubtype="0" fill="hold" grpId="0" nodeType="clickEffect">
                                   <p:stCondLst>
                                     <p:cond delay="0"/>
                                   </p:stCondLst>
                                   <p:childTnLst>
                                     <p:set>
                                       <p:cBhvr>
-                                        <p:cTn id="82" dur="1" fill="hold">
+                                        <p:cTn id="86" dur="1" fill="hold">
                                           <p:stCondLst>
                                             <p:cond delay="0"/>
                                           </p:stCondLst>
@@ -9758,7 +9908,7 @@
                                     </p:set>
                                     <p:animEffect transition="in" filter="fade">
                                       <p:cBhvr>
-                                        <p:cTn id="83" dur="500"/>
+                                        <p:cTn id="87" dur="500"/>
                                         <p:tgtEl>
                                           <p:spTgt spid="116"/>
                                         </p:tgtEl>
@@ -9774,26 +9924,26 @@
                     </p:cTn>
                   </p:par>
                   <p:par>
-                    <p:cTn id="84" fill="hold">
+                    <p:cTn id="88" fill="hold">
                       <p:stCondLst>
                         <p:cond delay="indefinite"/>
                       </p:stCondLst>
                       <p:childTnLst>
                         <p:par>
-                          <p:cTn id="85" fill="hold">
+                          <p:cTn id="89" fill="hold">
                             <p:stCondLst>
                               <p:cond delay="0"/>
                             </p:stCondLst>
                             <p:childTnLst>
                               <p:par>
-                                <p:cTn id="86" presetID="10" presetClass="entr" presetSubtype="0" fill="hold" grpId="0" nodeType="clickEffect">
+                                <p:cTn id="90" presetID="10" presetClass="entr" presetSubtype="0" fill="hold" grpId="0" nodeType="clickEffect">
                                   <p:stCondLst>
                                     <p:cond delay="0"/>
                                   </p:stCondLst>
                                   <p:childTnLst>
                                     <p:set>
                                       <p:cBhvr>
-                                        <p:cTn id="87" dur="1" fill="hold">
+                                        <p:cTn id="91" dur="1" fill="hold">
                                           <p:stCondLst>
                                             <p:cond delay="0"/>
                                           </p:stCondLst>
@@ -9811,7 +9961,7 @@
                                     </p:set>
                                     <p:animEffect transition="in" filter="fade">
                                       <p:cBhvr>
-                                        <p:cTn id="88" dur="500"/>
+                                        <p:cTn id="92" dur="500"/>
                                         <p:tgtEl>
                                           <p:spTgt spid="117"/>
                                         </p:tgtEl>
@@ -9821,14 +9971,14 @@
                                 </p:cTn>
                               </p:par>
                               <p:par>
-                                <p:cTn id="89" presetID="10" presetClass="entr" presetSubtype="0" fill="hold" nodeType="withEffect">
+                                <p:cTn id="93" presetID="10" presetClass="entr" presetSubtype="0" fill="hold" nodeType="withEffect">
                                   <p:stCondLst>
                                     <p:cond delay="0"/>
                                   </p:stCondLst>
                                   <p:childTnLst>
                                     <p:set>
                                       <p:cBhvr>
-                                        <p:cTn id="90" dur="1" fill="hold">
+                                        <p:cTn id="94" dur="1" fill="hold">
                                           <p:stCondLst>
                                             <p:cond delay="0"/>
                                           </p:stCondLst>
@@ -9846,7 +9996,7 @@
                                     </p:set>
                                     <p:animEffect transition="in" filter="fade">
                                       <p:cBhvr>
-                                        <p:cTn id="91" dur="500"/>
+                                        <p:cTn id="95" dur="500"/>
                                         <p:tgtEl>
                                           <p:spTgt spid="1061"/>
                                         </p:tgtEl>
@@ -9862,26 +10012,26 @@
                     </p:cTn>
                   </p:par>
                   <p:par>
-                    <p:cTn id="92" fill="hold">
+                    <p:cTn id="96" fill="hold">
                       <p:stCondLst>
                         <p:cond delay="indefinite"/>
                       </p:stCondLst>
                       <p:childTnLst>
                         <p:par>
-                          <p:cTn id="93" fill="hold">
+                          <p:cTn id="97" fill="hold">
                             <p:stCondLst>
                               <p:cond delay="0"/>
                             </p:stCondLst>
                             <p:childTnLst>
                               <p:par>
-                                <p:cTn id="94" presetID="42" presetClass="path" presetSubtype="0" accel="50000" decel="50000" fill="hold" nodeType="clickEffect">
+                                <p:cTn id="98" presetID="42" presetClass="path" presetSubtype="0" accel="50000" decel="50000" fill="hold" nodeType="clickEffect">
                                   <p:stCondLst>
                                     <p:cond delay="0"/>
                                   </p:stCondLst>
                                   <p:childTnLst>
-                                    <p:animMotion origin="layout" path="M -0.01263 -0.05555 L 0.10507 0.19607 " pathEditMode="relative" rAng="0" ptsTypes="AA">
+                                    <p:animMotion origin="layout" path="M -0.01263 -0.05556 L 0.10052 0.09791 " pathEditMode="relative" rAng="0" ptsTypes="AA">
                                       <p:cBhvr>
-                                        <p:cTn id="95" dur="1000" fill="hold"/>
+                                        <p:cTn id="99" dur="1000" fill="hold"/>
                                         <p:tgtEl>
                                           <p:spTgt spid="101"/>
                                         </p:tgtEl>
@@ -9890,20 +10040,20 @@
                                           <p:attrName>ppt_y</p:attrName>
                                         </p:attrNameLst>
                                       </p:cBhvr>
-                                      <p:rCtr x="5885" y="12569"/>
+                                      <p:rCtr x="5651" y="7662"/>
                                     </p:animMotion>
                                   </p:childTnLst>
                                 </p:cTn>
                               </p:par>
                               <p:par>
-                                <p:cTn id="96" presetID="1" presetClass="exit" presetSubtype="0" fill="hold" grpId="1" nodeType="withEffect">
+                                <p:cTn id="100" presetID="1" presetClass="exit" presetSubtype="0" fill="hold" grpId="1" nodeType="withEffect">
                                   <p:stCondLst>
                                     <p:cond delay="0"/>
                                   </p:stCondLst>
                                   <p:childTnLst>
                                     <p:set>
                                       <p:cBhvr>
-                                        <p:cTn id="97" dur="1" fill="hold">
+                                        <p:cTn id="101" dur="1" fill="hold">
                                           <p:stCondLst>
                                             <p:cond delay="0"/>
                                           </p:stCondLst>
@@ -9923,14 +10073,14 @@
                                 </p:cTn>
                               </p:par>
                               <p:par>
-                                <p:cTn id="98" presetID="1" presetClass="exit" presetSubtype="0" fill="hold" grpId="1" nodeType="withEffect">
+                                <p:cTn id="102" presetID="1" presetClass="exit" presetSubtype="0" fill="hold" grpId="1" nodeType="withEffect">
                                   <p:stCondLst>
                                     <p:cond delay="0"/>
                                   </p:stCondLst>
                                   <p:childTnLst>
                                     <p:set>
                                       <p:cBhvr>
-                                        <p:cTn id="99" dur="1" fill="hold">
+                                        <p:cTn id="103" dur="1" fill="hold">
                                           <p:stCondLst>
                                             <p:cond delay="0"/>
                                           </p:stCondLst>
@@ -9950,14 +10100,14 @@
                                 </p:cTn>
                               </p:par>
                               <p:par>
-                                <p:cTn id="100" presetID="1" presetClass="exit" presetSubtype="0" fill="hold" grpId="1" nodeType="withEffect">
+                                <p:cTn id="104" presetID="1" presetClass="exit" presetSubtype="0" fill="hold" grpId="1" nodeType="withEffect">
                                   <p:stCondLst>
                                     <p:cond delay="0"/>
                                   </p:stCondLst>
                                   <p:childTnLst>
                                     <p:set>
                                       <p:cBhvr>
-                                        <p:cTn id="101" dur="1" fill="hold">
+                                        <p:cTn id="105" dur="1" fill="hold">
                                           <p:stCondLst>
                                             <p:cond delay="0"/>
                                           </p:stCondLst>
@@ -9977,14 +10127,14 @@
                                 </p:cTn>
                               </p:par>
                               <p:par>
-                                <p:cTn id="102" presetID="1" presetClass="exit" presetSubtype="0" fill="hold" nodeType="withEffect">
+                                <p:cTn id="106" presetID="1" presetClass="exit" presetSubtype="0" fill="hold" nodeType="withEffect">
                                   <p:stCondLst>
                                     <p:cond delay="0"/>
                                   </p:stCondLst>
                                   <p:childTnLst>
                                     <p:set>
                                       <p:cBhvr>
-                                        <p:cTn id="103" dur="1" fill="hold">
+                                        <p:cTn id="107" dur="1" fill="hold">
                                           <p:stCondLst>
                                             <p:cond delay="0"/>
                                           </p:stCondLst>
@@ -10004,14 +10154,14 @@
                                 </p:cTn>
                               </p:par>
                               <p:par>
-                                <p:cTn id="104" presetID="6" presetClass="emph" presetSubtype="0" fill="hold" nodeType="withEffect">
+                                <p:cTn id="108" presetID="6" presetClass="emph" presetSubtype="0" fill="hold" nodeType="withEffect">
                                   <p:stCondLst>
                                     <p:cond delay="0"/>
                                   </p:stCondLst>
                                   <p:childTnLst>
                                     <p:animScale>
                                       <p:cBhvr>
-                                        <p:cTn id="105" dur="1000" fill="hold"/>
+                                        <p:cTn id="109" dur="1000" fill="hold"/>
                                         <p:tgtEl>
                                           <p:spTgt spid="101"/>
                                         </p:tgtEl>
@@ -10028,26 +10178,26 @@
                     </p:cTn>
                   </p:par>
                   <p:par>
-                    <p:cTn id="106" fill="hold">
+                    <p:cTn id="110" fill="hold">
                       <p:stCondLst>
                         <p:cond delay="indefinite"/>
                       </p:stCondLst>
                       <p:childTnLst>
                         <p:par>
-                          <p:cTn id="107" fill="hold">
+                          <p:cTn id="111" fill="hold">
                             <p:stCondLst>
                               <p:cond delay="0"/>
                             </p:stCondLst>
                             <p:childTnLst>
                               <p:par>
-                                <p:cTn id="108" presetID="10" presetClass="entr" presetSubtype="0" fill="hold" nodeType="clickEffect">
+                                <p:cTn id="112" presetID="10" presetClass="entr" presetSubtype="0" fill="hold" nodeType="clickEffect">
                                   <p:stCondLst>
                                     <p:cond delay="0"/>
                                   </p:stCondLst>
                                   <p:childTnLst>
                                     <p:set>
                                       <p:cBhvr>
-                                        <p:cTn id="109" dur="1" fill="hold">
+                                        <p:cTn id="113" dur="1" fill="hold">
                                           <p:stCondLst>
                                             <p:cond delay="0"/>
                                           </p:stCondLst>
@@ -10065,7 +10215,7 @@
                                     </p:set>
                                     <p:animEffect transition="in" filter="fade">
                                       <p:cBhvr>
-                                        <p:cTn id="110" dur="500"/>
+                                        <p:cTn id="114" dur="500"/>
                                         <p:tgtEl>
                                           <p:spTgt spid="107"/>
                                         </p:tgtEl>
@@ -10081,26 +10231,26 @@
                     </p:cTn>
                   </p:par>
                   <p:par>
-                    <p:cTn id="111" fill="hold">
+                    <p:cTn id="115" fill="hold">
                       <p:stCondLst>
                         <p:cond delay="indefinite"/>
                       </p:stCondLst>
                       <p:childTnLst>
                         <p:par>
-                          <p:cTn id="112" fill="hold">
+                          <p:cTn id="116" fill="hold">
                             <p:stCondLst>
                               <p:cond delay="0"/>
                             </p:stCondLst>
                             <p:childTnLst>
                               <p:par>
-                                <p:cTn id="113" presetID="10" presetClass="entr" presetSubtype="0" fill="hold" grpId="0" nodeType="clickEffect">
+                                <p:cTn id="117" presetID="10" presetClass="entr" presetSubtype="0" fill="hold" grpId="0" nodeType="clickEffect">
                                   <p:stCondLst>
                                     <p:cond delay="0"/>
                                   </p:stCondLst>
                                   <p:childTnLst>
                                     <p:set>
                                       <p:cBhvr>
-                                        <p:cTn id="114" dur="1" fill="hold">
+                                        <p:cTn id="118" dur="1" fill="hold">
                                           <p:stCondLst>
                                             <p:cond delay="0"/>
                                           </p:stCondLst>
@@ -10118,7 +10268,7 @@
                                     </p:set>
                                     <p:animEffect transition="in" filter="fade">
                                       <p:cBhvr>
-                                        <p:cTn id="115" dur="500"/>
+                                        <p:cTn id="119" dur="500"/>
                                         <p:tgtEl>
                                           <p:spTgt spid="120"/>
                                         </p:tgtEl>
@@ -10134,26 +10284,26 @@
                     </p:cTn>
                   </p:par>
                   <p:par>
-                    <p:cTn id="116" fill="hold">
+                    <p:cTn id="120" fill="hold">
                       <p:stCondLst>
                         <p:cond delay="indefinite"/>
                       </p:stCondLst>
                       <p:childTnLst>
                         <p:par>
-                          <p:cTn id="117" fill="hold">
+                          <p:cTn id="121" fill="hold">
                             <p:stCondLst>
                               <p:cond delay="0"/>
                             </p:stCondLst>
                             <p:childTnLst>
                               <p:par>
-                                <p:cTn id="118" presetID="10" presetClass="entr" presetSubtype="0" fill="hold" grpId="0" nodeType="clickEffect">
+                                <p:cTn id="122" presetID="10" presetClass="entr" presetSubtype="0" fill="hold" grpId="0" nodeType="clickEffect">
                                   <p:stCondLst>
                                     <p:cond delay="0"/>
                                   </p:stCondLst>
                                   <p:childTnLst>
                                     <p:set>
                                       <p:cBhvr>
-                                        <p:cTn id="119" dur="1" fill="hold">
+                                        <p:cTn id="123" dur="1" fill="hold">
                                           <p:stCondLst>
                                             <p:cond delay="0"/>
                                           </p:stCondLst>
@@ -10171,7 +10321,7 @@
                                     </p:set>
                                     <p:animEffect transition="in" filter="fade">
                                       <p:cBhvr>
-                                        <p:cTn id="120" dur="500"/>
+                                        <p:cTn id="124" dur="500"/>
                                         <p:tgtEl>
                                           <p:spTgt spid="1058"/>
                                         </p:tgtEl>
@@ -10187,26 +10337,26 @@
                     </p:cTn>
                   </p:par>
                   <p:par>
-                    <p:cTn id="121" fill="hold">
+                    <p:cTn id="125" fill="hold">
                       <p:stCondLst>
                         <p:cond delay="indefinite"/>
                       </p:stCondLst>
                       <p:childTnLst>
                         <p:par>
-                          <p:cTn id="122" fill="hold">
+                          <p:cTn id="126" fill="hold">
                             <p:stCondLst>
                               <p:cond delay="0"/>
                             </p:stCondLst>
                             <p:childTnLst>
                               <p:par>
-                                <p:cTn id="123" presetID="10" presetClass="entr" presetSubtype="0" fill="hold" grpId="0" nodeType="clickEffect">
+                                <p:cTn id="127" presetID="10" presetClass="entr" presetSubtype="0" fill="hold" grpId="0" nodeType="clickEffect">
                                   <p:stCondLst>
                                     <p:cond delay="0"/>
                                   </p:stCondLst>
                                   <p:childTnLst>
                                     <p:set>
                                       <p:cBhvr>
-                                        <p:cTn id="124" dur="1" fill="hold">
+                                        <p:cTn id="128" dur="1" fill="hold">
                                           <p:stCondLst>
                                             <p:cond delay="0"/>
                                           </p:stCondLst>
@@ -10224,7 +10374,7 @@
                                     </p:set>
                                     <p:animEffect transition="in" filter="fade">
                                       <p:cBhvr>
-                                        <p:cTn id="125" dur="500"/>
+                                        <p:cTn id="129" dur="500"/>
                                         <p:tgtEl>
                                           <p:spTgt spid="123"/>
                                         </p:tgtEl>
@@ -10240,26 +10390,26 @@
                     </p:cTn>
                   </p:par>
                   <p:par>
-                    <p:cTn id="126" fill="hold">
+                    <p:cTn id="130" fill="hold">
                       <p:stCondLst>
                         <p:cond delay="indefinite"/>
                       </p:stCondLst>
                       <p:childTnLst>
                         <p:par>
-                          <p:cTn id="127" fill="hold">
+                          <p:cTn id="131" fill="hold">
                             <p:stCondLst>
                               <p:cond delay="0"/>
                             </p:stCondLst>
                             <p:childTnLst>
                               <p:par>
-                                <p:cTn id="128" presetID="10" presetClass="entr" presetSubtype="0" fill="hold" grpId="0" nodeType="clickEffect">
+                                <p:cTn id="132" presetID="10" presetClass="entr" presetSubtype="0" fill="hold" grpId="0" nodeType="clickEffect">
                                   <p:stCondLst>
                                     <p:cond delay="0"/>
                                   </p:stCondLst>
                                   <p:childTnLst>
                                     <p:set>
                                       <p:cBhvr>
-                                        <p:cTn id="129" dur="1" fill="hold">
+                                        <p:cTn id="133" dur="1" fill="hold">
                                           <p:stCondLst>
                                             <p:cond delay="0"/>
                                           </p:stCondLst>
@@ -10277,7 +10427,7 @@
                                     </p:set>
                                     <p:animEffect transition="in" filter="fade">
                                       <p:cBhvr>
-                                        <p:cTn id="130" dur="500"/>
+                                        <p:cTn id="134" dur="500"/>
                                         <p:tgtEl>
                                           <p:spTgt spid="124"/>
                                         </p:tgtEl>
@@ -10293,26 +10443,26 @@
                     </p:cTn>
                   </p:par>
                   <p:par>
-                    <p:cTn id="131" fill="hold">
+                    <p:cTn id="135" fill="hold">
                       <p:stCondLst>
                         <p:cond delay="indefinite"/>
                       </p:stCondLst>
                       <p:childTnLst>
                         <p:par>
-                          <p:cTn id="132" fill="hold">
+                          <p:cTn id="136" fill="hold">
                             <p:stCondLst>
                               <p:cond delay="0"/>
                             </p:stCondLst>
                             <p:childTnLst>
                               <p:par>
-                                <p:cTn id="133" presetID="10" presetClass="entr" presetSubtype="0" fill="hold" grpId="0" nodeType="clickEffect">
+                                <p:cTn id="137" presetID="10" presetClass="entr" presetSubtype="0" fill="hold" grpId="0" nodeType="clickEffect">
                                   <p:stCondLst>
                                     <p:cond delay="0"/>
                                   </p:stCondLst>
                                   <p:childTnLst>
                                     <p:set>
                                       <p:cBhvr>
-                                        <p:cTn id="134" dur="1" fill="hold">
+                                        <p:cTn id="138" dur="1" fill="hold">
                                           <p:stCondLst>
                                             <p:cond delay="0"/>
                                           </p:stCondLst>
@@ -10330,7 +10480,7 @@
                                     </p:set>
                                     <p:animEffect transition="in" filter="fade">
                                       <p:cBhvr>
-                                        <p:cTn id="135" dur="500"/>
+                                        <p:cTn id="139" dur="500"/>
                                         <p:tgtEl>
                                           <p:spTgt spid="50"/>
                                         </p:tgtEl>
@@ -10346,26 +10496,26 @@
                     </p:cTn>
                   </p:par>
                   <p:par>
-                    <p:cTn id="136" fill="hold">
+                    <p:cTn id="140" fill="hold">
                       <p:stCondLst>
                         <p:cond delay="indefinite"/>
                       </p:stCondLst>
                       <p:childTnLst>
                         <p:par>
-                          <p:cTn id="137" fill="hold">
+                          <p:cTn id="141" fill="hold">
                             <p:stCondLst>
                               <p:cond delay="0"/>
                             </p:stCondLst>
                             <p:childTnLst>
                               <p:par>
-                                <p:cTn id="138" presetID="42" presetClass="path" presetSubtype="0" accel="50000" decel="50000" fill="hold" nodeType="clickEffect">
+                                <p:cTn id="142" presetID="42" presetClass="path" presetSubtype="0" accel="50000" decel="50000" fill="hold" nodeType="clickEffect">
                                   <p:stCondLst>
                                     <p:cond delay="0"/>
                                   </p:stCondLst>
                                   <p:childTnLst>
-                                    <p:animMotion origin="layout" path="M -4.58333E-6 -4.44444E-6 L 0.33047 0.10371 " pathEditMode="relative" rAng="0" ptsTypes="AA">
+                                    <p:animMotion origin="layout" path="M -1.45833E-6 4.07407E-6 L 0.3138 0.15926 " pathEditMode="relative" rAng="0" ptsTypes="AA">
                                       <p:cBhvr>
-                                        <p:cTn id="139" dur="1000" fill="hold"/>
+                                        <p:cTn id="143" dur="1000" fill="hold"/>
                                         <p:tgtEl>
                                           <p:spTgt spid="107"/>
                                         </p:tgtEl>
@@ -10374,62 +10524,8 @@
                                           <p:attrName>ppt_y</p:attrName>
                                         </p:attrNameLst>
                                       </p:cBhvr>
-                                      <p:rCtr x="16523" y="5185"/>
+                                      <p:rCtr x="15690" y="7963"/>
                                     </p:animMotion>
-                                  </p:childTnLst>
-                                </p:cTn>
-                              </p:par>
-                              <p:par>
-                                <p:cTn id="140" presetID="1" presetClass="exit" presetSubtype="0" fill="hold" grpId="1" nodeType="withEffect">
-                                  <p:stCondLst>
-                                    <p:cond delay="0"/>
-                                  </p:stCondLst>
-                                  <p:childTnLst>
-                                    <p:set>
-                                      <p:cBhvr>
-                                        <p:cTn id="141" dur="1" fill="hold">
-                                          <p:stCondLst>
-                                            <p:cond delay="0"/>
-                                          </p:stCondLst>
-                                        </p:cTn>
-                                        <p:tgtEl>
-                                          <p:spTgt spid="120"/>
-                                        </p:tgtEl>
-                                        <p:attrNameLst>
-                                          <p:attrName>style.visibility</p:attrName>
-                                        </p:attrNameLst>
-                                      </p:cBhvr>
-                                      <p:to>
-                                        <p:strVal val="hidden"/>
-                                      </p:to>
-                                    </p:set>
-                                  </p:childTnLst>
-                                </p:cTn>
-                              </p:par>
-                              <p:par>
-                                <p:cTn id="142" presetID="1" presetClass="exit" presetSubtype="0" fill="hold" grpId="1" nodeType="withEffect">
-                                  <p:stCondLst>
-                                    <p:cond delay="0"/>
-                                  </p:stCondLst>
-                                  <p:childTnLst>
-                                    <p:set>
-                                      <p:cBhvr>
-                                        <p:cTn id="143" dur="1" fill="hold">
-                                          <p:stCondLst>
-                                            <p:cond delay="0"/>
-                                          </p:stCondLst>
-                                        </p:cTn>
-                                        <p:tgtEl>
-                                          <p:spTgt spid="1058"/>
-                                        </p:tgtEl>
-                                        <p:attrNameLst>
-                                          <p:attrName>style.visibility</p:attrName>
-                                        </p:attrNameLst>
-                                      </p:cBhvr>
-                                      <p:to>
-                                        <p:strVal val="hidden"/>
-                                      </p:to>
-                                    </p:set>
                                   </p:childTnLst>
                                 </p:cTn>
                               </p:par>
@@ -10447,7 +10543,7 @@
                                           </p:stCondLst>
                                         </p:cTn>
                                         <p:tgtEl>
-                                          <p:spTgt spid="123"/>
+                                          <p:spTgt spid="120"/>
                                         </p:tgtEl>
                                         <p:attrNameLst>
                                           <p:attrName>style.visibility</p:attrName>
@@ -10474,7 +10570,7 @@
                                           </p:stCondLst>
                                         </p:cTn>
                                         <p:tgtEl>
-                                          <p:spTgt spid="124"/>
+                                          <p:spTgt spid="1058"/>
                                         </p:tgtEl>
                                         <p:attrNameLst>
                                           <p:attrName>style.visibility</p:attrName>
@@ -10501,6 +10597,60 @@
                                           </p:stCondLst>
                                         </p:cTn>
                                         <p:tgtEl>
+                                          <p:spTgt spid="123"/>
+                                        </p:tgtEl>
+                                        <p:attrNameLst>
+                                          <p:attrName>style.visibility</p:attrName>
+                                        </p:attrNameLst>
+                                      </p:cBhvr>
+                                      <p:to>
+                                        <p:strVal val="hidden"/>
+                                      </p:to>
+                                    </p:set>
+                                  </p:childTnLst>
+                                </p:cTn>
+                              </p:par>
+                              <p:par>
+                                <p:cTn id="150" presetID="1" presetClass="exit" presetSubtype="0" fill="hold" grpId="1" nodeType="withEffect">
+                                  <p:stCondLst>
+                                    <p:cond delay="0"/>
+                                  </p:stCondLst>
+                                  <p:childTnLst>
+                                    <p:set>
+                                      <p:cBhvr>
+                                        <p:cTn id="151" dur="1" fill="hold">
+                                          <p:stCondLst>
+                                            <p:cond delay="0"/>
+                                          </p:stCondLst>
+                                        </p:cTn>
+                                        <p:tgtEl>
+                                          <p:spTgt spid="124"/>
+                                        </p:tgtEl>
+                                        <p:attrNameLst>
+                                          <p:attrName>style.visibility</p:attrName>
+                                        </p:attrNameLst>
+                                      </p:cBhvr>
+                                      <p:to>
+                                        <p:strVal val="hidden"/>
+                                      </p:to>
+                                    </p:set>
+                                  </p:childTnLst>
+                                </p:cTn>
+                              </p:par>
+                              <p:par>
+                                <p:cTn id="152" presetID="1" presetClass="exit" presetSubtype="0" fill="hold" grpId="1" nodeType="withEffect">
+                                  <p:stCondLst>
+                                    <p:cond delay="0"/>
+                                  </p:stCondLst>
+                                  <p:childTnLst>
+                                    <p:set>
+                                      <p:cBhvr>
+                                        <p:cTn id="153" dur="1" fill="hold">
+                                          <p:stCondLst>
+                                            <p:cond delay="0"/>
+                                          </p:stCondLst>
+                                        </p:cTn>
+                                        <p:tgtEl>
                                           <p:spTgt spid="50"/>
                                         </p:tgtEl>
                                         <p:attrNameLst>
@@ -10515,100 +10665,20 @@
                                 </p:cTn>
                               </p:par>
                               <p:par>
-                                <p:cTn id="150" presetID="6" presetClass="emph" presetSubtype="0" fill="hold" nodeType="withEffect">
+                                <p:cTn id="154" presetID="6" presetClass="emph" presetSubtype="0" fill="hold" nodeType="withEffect">
                                   <p:stCondLst>
                                     <p:cond delay="0"/>
                                   </p:stCondLst>
                                   <p:childTnLst>
                                     <p:animScale>
                                       <p:cBhvr>
-                                        <p:cTn id="151" dur="1000" fill="hold"/>
+                                        <p:cTn id="155" dur="1000" fill="hold"/>
                                         <p:tgtEl>
                                           <p:spTgt spid="107"/>
                                         </p:tgtEl>
                                       </p:cBhvr>
                                       <p:by x="50000" y="50000"/>
                                     </p:animScale>
-                                  </p:childTnLst>
-                                </p:cTn>
-                              </p:par>
-                            </p:childTnLst>
-                          </p:cTn>
-                        </p:par>
-                      </p:childTnLst>
-                    </p:cTn>
-                  </p:par>
-                  <p:par>
-                    <p:cTn id="152" fill="hold">
-                      <p:stCondLst>
-                        <p:cond delay="indefinite"/>
-                      </p:stCondLst>
-                      <p:childTnLst>
-                        <p:par>
-                          <p:cTn id="153" fill="hold">
-                            <p:stCondLst>
-                              <p:cond delay="0"/>
-                            </p:stCondLst>
-                            <p:childTnLst>
-                              <p:par>
-                                <p:cTn id="154" presetID="10" presetClass="entr" presetSubtype="0" fill="hold" grpId="0" nodeType="clickEffect">
-                                  <p:stCondLst>
-                                    <p:cond delay="0"/>
-                                  </p:stCondLst>
-                                  <p:childTnLst>
-                                    <p:set>
-                                      <p:cBhvr>
-                                        <p:cTn id="155" dur="1" fill="hold">
-                                          <p:stCondLst>
-                                            <p:cond delay="0"/>
-                                          </p:stCondLst>
-                                        </p:cTn>
-                                        <p:tgtEl>
-                                          <p:spTgt spid="49"/>
-                                        </p:tgtEl>
-                                        <p:attrNameLst>
-                                          <p:attrName>style.visibility</p:attrName>
-                                        </p:attrNameLst>
-                                      </p:cBhvr>
-                                      <p:to>
-                                        <p:strVal val="visible"/>
-                                      </p:to>
-                                    </p:set>
-                                    <p:animEffect transition="in" filter="fade">
-                                      <p:cBhvr>
-                                        <p:cTn id="156" dur="500"/>
-                                        <p:tgtEl>
-                                          <p:spTgt spid="49"/>
-                                        </p:tgtEl>
-                                      </p:cBhvr>
-                                    </p:animEffect>
-                                  </p:childTnLst>
-                                </p:cTn>
-                              </p:par>
-                              <p:par>
-                                <p:cTn id="157" presetID="1" presetClass="exit" presetSubtype="0" fill="hold" grpId="1" nodeType="withEffect">
-                                  <p:stCondLst>
-                                    <p:cond delay="0"/>
-                                  </p:stCondLst>
-                                  <p:childTnLst>
-                                    <p:set>
-                                      <p:cBhvr>
-                                        <p:cTn id="158" dur="1" fill="hold">
-                                          <p:stCondLst>
-                                            <p:cond delay="0"/>
-                                          </p:stCondLst>
-                                        </p:cTn>
-                                        <p:tgtEl>
-                                          <p:spTgt spid="49"/>
-                                        </p:tgtEl>
-                                        <p:attrNameLst>
-                                          <p:attrName>style.visibility</p:attrName>
-                                        </p:attrNameLst>
-                                      </p:cBhvr>
-                                      <p:to>
-                                        <p:strVal val="hidden"/>
-                                      </p:to>
-                                    </p:set>
                                   </p:childTnLst>
                                 </p:cTn>
                               </p:par>
@@ -10641,6 +10711,8 @@
     </p:tnLst>
     <p:bldLst>
       <p:bldP spid="109" grpId="0" animBg="1"/>
+      <p:bldP spid="49" grpId="0" animBg="1"/>
+      <p:bldP spid="49" grpId="1" animBg="1"/>
       <p:bldP spid="1055" grpId="0" animBg="1"/>
       <p:bldP spid="1055" grpId="1" animBg="1"/>
       <p:bldP spid="113" grpId="0" animBg="1"/>
@@ -10651,9 +10723,6 @@
       <p:bldP spid="117" grpId="1" animBg="1"/>
       <p:bldP spid="115" grpId="0" animBg="1"/>
       <p:bldP spid="115" grpId="1" animBg="1"/>
-      <p:bldP spid="49" grpId="0" animBg="1"/>
-      <p:bldP spid="49" grpId="1" animBg="1"/>
-      <p:bldP spid="49" grpId="2" animBg="1"/>
       <p:bldP spid="1058" grpId="0" animBg="1"/>
       <p:bldP spid="1058" grpId="1" animBg="1"/>
       <p:bldP spid="120" grpId="0" animBg="1"/>
@@ -11272,6 +11341,21 @@
 </file>
 
 <file path=customXml/item1.xml><?xml version="1.0" encoding="utf-8"?>
+<?mso-contentType ?>
+<FormTemplates xmlns="http://schemas.microsoft.com/sharepoint/v3/contenttype/forms">
+  <Display>DocumentLibraryForm</Display>
+  <Edit>DocumentLibraryForm</Edit>
+  <New>DocumentLibraryForm</New>
+</FormTemplates>
+</file>
+
+<file path=customXml/item2.xml><?xml version="1.0" encoding="utf-8"?>
+<p:properties xmlns:p="http://schemas.microsoft.com/office/2006/metadata/properties" xmlns:xsi="http://www.w3.org/2001/XMLSchema-instance" xmlns:pc="http://schemas.microsoft.com/office/infopath/2007/PartnerControls">
+  <documentManagement/>
+</p:properties>
+</file>
+
+<file path=customXml/item3.xml><?xml version="1.0" encoding="utf-8"?>
 <ct:contentTypeSchema xmlns:ct="http://schemas.microsoft.com/office/2006/metadata/contentType" xmlns:ma="http://schemas.microsoft.com/office/2006/metadata/properties/metaAttributes" ct:_="" ma:_="" ma:contentTypeName="문서" ma:contentTypeID="0x010100EF22BAC79A958F4380D8006C245DA565" ma:contentTypeVersion="4" ma:contentTypeDescription="새 문서를 만듭니다." ma:contentTypeScope="" ma:versionID="9bcf37a326eb82fa642ac76daa50384e">
   <xsd:schema xmlns:xsd="http://www.w3.org/2001/XMLSchema" xmlns:xs="http://www.w3.org/2001/XMLSchema" xmlns:p="http://schemas.microsoft.com/office/2006/metadata/properties" xmlns:ns3="16ad011f-1dd4-4355-9069-50c6ce4b8836" targetNamespace="http://schemas.microsoft.com/office/2006/metadata/properties" ma:root="true" ma:fieldsID="9418583c706ff413e962e88f4d36c7d3" ns3:_="">
     <xsd:import namespace="16ad011f-1dd4-4355-9069-50c6ce4b8836"/>
@@ -11417,22 +11501,31 @@
 </ct:contentTypeSchema>
 </file>
 
-<file path=customXml/item2.xml><?xml version="1.0" encoding="utf-8"?>
-<p:properties xmlns:p="http://schemas.microsoft.com/office/2006/metadata/properties" xmlns:xsi="http://www.w3.org/2001/XMLSchema-instance" xmlns:pc="http://schemas.microsoft.com/office/infopath/2007/PartnerControls">
-  <documentManagement/>
-</p:properties>
+<file path=customXml/itemProps1.xml><?xml version="1.0" encoding="utf-8"?>
+<ds:datastoreItem xmlns:ds="http://schemas.openxmlformats.org/officeDocument/2006/customXml" ds:itemID="{973835A4-9CDC-4C3E-AAE5-425530A8E0D5}">
+  <ds:schemaRefs>
+    <ds:schemaRef ds:uri="http://schemas.microsoft.com/sharepoint/v3/contenttype/forms"/>
+  </ds:schemaRefs>
+</ds:datastoreItem>
 </file>
 
-<file path=customXml/item3.xml><?xml version="1.0" encoding="utf-8"?>
-<?mso-contentType ?>
-<FormTemplates xmlns="http://schemas.microsoft.com/sharepoint/v3/contenttype/forms">
-  <Display>DocumentLibraryForm</Display>
-  <Edit>DocumentLibraryForm</Edit>
-  <New>DocumentLibraryForm</New>
-</FormTemplates>
+<file path=customXml/itemProps2.xml><?xml version="1.0" encoding="utf-8"?>
+<ds:datastoreItem xmlns:ds="http://schemas.openxmlformats.org/officeDocument/2006/customXml" ds:itemID="{BD13601B-6918-40E0-8053-17159519F2FA}">
+  <ds:schemaRefs>
+    <ds:schemaRef ds:uri="http://schemas.microsoft.com/office/2006/documentManagement/types"/>
+    <ds:schemaRef ds:uri="16ad011f-1dd4-4355-9069-50c6ce4b8836"/>
+    <ds:schemaRef ds:uri="http://purl.org/dc/terms/"/>
+    <ds:schemaRef ds:uri="http://schemas.openxmlformats.org/package/2006/metadata/core-properties"/>
+    <ds:schemaRef ds:uri="http://schemas.microsoft.com/office/infopath/2007/PartnerControls"/>
+    <ds:schemaRef ds:uri="http://schemas.microsoft.com/office/2006/metadata/properties"/>
+    <ds:schemaRef ds:uri="http://www.w3.org/XML/1998/namespace"/>
+    <ds:schemaRef ds:uri="http://purl.org/dc/dcmitype/"/>
+    <ds:schemaRef ds:uri="http://purl.org/dc/elements/1.1/"/>
+  </ds:schemaRefs>
+</ds:datastoreItem>
 </file>
 
-<file path=customXml/itemProps1.xml><?xml version="1.0" encoding="utf-8"?>
+<file path=customXml/itemProps3.xml><?xml version="1.0" encoding="utf-8"?>
 <ds:datastoreItem xmlns:ds="http://schemas.openxmlformats.org/officeDocument/2006/customXml" ds:itemID="{B7377C0C-AEF0-451B-9F6B-3A16F108AAD5}">
   <ds:schemaRefs>
     <ds:schemaRef ds:uri="http://schemas.microsoft.com/office/2006/metadata/contentType"/>
@@ -11448,28 +11541,4 @@
     <ds:schemaRef ds:uri="http://schemas.microsoft.com/internal/obd"/>
   </ds:schemaRefs>
 </ds:datastoreItem>
-</file>
-
-<file path=customXml/itemProps2.xml><?xml version="1.0" encoding="utf-8"?>
-<ds:datastoreItem xmlns:ds="http://schemas.openxmlformats.org/officeDocument/2006/customXml" ds:itemID="{BD13601B-6918-40E0-8053-17159519F2FA}">
-  <ds:schemaRefs>
-    <ds:schemaRef ds:uri="http://schemas.microsoft.com/office/2006/documentManagement/types"/>
-    <ds:schemaRef ds:uri="http://purl.org/dc/dcmitype/"/>
-    <ds:schemaRef ds:uri="http://schemas.microsoft.com/office/2006/metadata/properties"/>
-    <ds:schemaRef ds:uri="http://schemas.microsoft.com/office/infopath/2007/PartnerControls"/>
-    <ds:schemaRef ds:uri="http://purl.org/dc/elements/1.1/"/>
-    <ds:schemaRef ds:uri="http://www.w3.org/XML/1998/namespace"/>
-    <ds:schemaRef ds:uri="http://schemas.openxmlformats.org/package/2006/metadata/core-properties"/>
-    <ds:schemaRef ds:uri="16ad011f-1dd4-4355-9069-50c6ce4b8836"/>
-    <ds:schemaRef ds:uri="http://purl.org/dc/terms/"/>
-  </ds:schemaRefs>
-</ds:datastoreItem>
-</file>
-
-<file path=customXml/itemProps3.xml><?xml version="1.0" encoding="utf-8"?>
-<ds:datastoreItem xmlns:ds="http://schemas.openxmlformats.org/officeDocument/2006/customXml" ds:itemID="{973835A4-9CDC-4C3E-AAE5-425530A8E0D5}">
-  <ds:schemaRefs>
-    <ds:schemaRef ds:uri="http://schemas.microsoft.com/sharepoint/v3/contenttype/forms"/>
-  </ds:schemaRefs>
-</ds:datastoreItem>
 </file>
--- a/발표자료 및 산출물/소프트웨어 프로젝트2 발표자료.pptx
+++ b/발표자료 및 산출물/소프트웨어 프로젝트2 발표자료.pptx
@@ -9175,33 +9175,15 @@
                                   </p:childTnLst>
                                 </p:cTn>
                               </p:par>
-                            </p:childTnLst>
-                          </p:cTn>
-                        </p:par>
-                      </p:childTnLst>
-                    </p:cTn>
-                  </p:par>
-                  <p:par>
-                    <p:cTn id="18" fill="hold">
-                      <p:stCondLst>
-                        <p:cond delay="indefinite"/>
-                      </p:stCondLst>
-                      <p:childTnLst>
-                        <p:par>
-                          <p:cTn id="19" fill="hold">
-                            <p:stCondLst>
-                              <p:cond delay="0"/>
-                            </p:stCondLst>
-                            <p:childTnLst>
                               <p:par>
-                                <p:cTn id="20" presetID="1" presetClass="exit" presetSubtype="0" fill="hold" grpId="0" nodeType="clickEffect">
+                                <p:cTn id="18" presetID="1" presetClass="exit" presetSubtype="0" fill="hold" grpId="0" nodeType="withEffect">
                                   <p:stCondLst>
                                     <p:cond delay="0"/>
                                   </p:stCondLst>
                                   <p:childTnLst>
                                     <p:set>
                                       <p:cBhvr>
-                                        <p:cTn id="21" dur="1" fill="hold">
+                                        <p:cTn id="19" dur="1" fill="hold">
                                           <p:stCondLst>
                                             <p:cond delay="0"/>
                                           </p:stCondLst>
@@ -9227,26 +9209,26 @@
                     </p:cTn>
                   </p:par>
                   <p:par>
-                    <p:cTn id="22" fill="hold">
+                    <p:cTn id="20" fill="hold">
                       <p:stCondLst>
                         <p:cond delay="indefinite"/>
                       </p:stCondLst>
                       <p:childTnLst>
                         <p:par>
-                          <p:cTn id="23" fill="hold">
+                          <p:cTn id="21" fill="hold">
                             <p:stCondLst>
                               <p:cond delay="0"/>
                             </p:stCondLst>
                             <p:childTnLst>
                               <p:par>
-                                <p:cTn id="24" presetID="42" presetClass="path" presetSubtype="0" accel="50000" decel="50000" fill="hold" nodeType="clickEffect">
+                                <p:cTn id="22" presetID="42" presetClass="path" presetSubtype="0" accel="50000" decel="50000" fill="hold" nodeType="clickEffect">
                                   <p:stCondLst>
                                     <p:cond delay="0"/>
                                   </p:stCondLst>
                                   <p:childTnLst>
                                     <p:animMotion origin="layout" path="M 0.00794 -0.11134 L -0.14909 -0.16505 " pathEditMode="relative" rAng="0" ptsTypes="AA">
                                       <p:cBhvr>
-                                        <p:cTn id="25" dur="1000" fill="hold"/>
+                                        <p:cTn id="23" dur="1000" fill="hold"/>
                                         <p:tgtEl>
                                           <p:spTgt spid="1051"/>
                                         </p:tgtEl>
@@ -9261,14 +9243,14 @@
                                 </p:cTn>
                               </p:par>
                               <p:par>
-                                <p:cTn id="26" presetID="6" presetClass="emph" presetSubtype="0" fill="hold" nodeType="withEffect">
+                                <p:cTn id="24" presetID="6" presetClass="emph" presetSubtype="0" fill="hold" nodeType="withEffect">
                                   <p:stCondLst>
                                     <p:cond delay="0"/>
                                   </p:stCondLst>
                                   <p:childTnLst>
                                     <p:animScale>
                                       <p:cBhvr>
-                                        <p:cTn id="27" dur="1000" fill="hold"/>
+                                        <p:cTn id="25" dur="1000" fill="hold"/>
                                         <p:tgtEl>
                                           <p:spTgt spid="1051"/>
                                         </p:tgtEl>
@@ -9285,26 +9267,26 @@
                     </p:cTn>
                   </p:par>
                   <p:par>
-                    <p:cTn id="28" fill="hold">
+                    <p:cTn id="26" fill="hold">
                       <p:stCondLst>
                         <p:cond delay="indefinite"/>
                       </p:stCondLst>
                       <p:childTnLst>
                         <p:par>
-                          <p:cTn id="29" fill="hold">
+                          <p:cTn id="27" fill="hold">
                             <p:stCondLst>
                               <p:cond delay="0"/>
                             </p:stCondLst>
                             <p:childTnLst>
                               <p:par>
-                                <p:cTn id="30" presetID="10" presetClass="entr" presetSubtype="0" fill="hold" nodeType="clickEffect">
+                                <p:cTn id="28" presetID="10" presetClass="entr" presetSubtype="0" fill="hold" nodeType="clickEffect">
                                   <p:stCondLst>
                                     <p:cond delay="0"/>
                                   </p:stCondLst>
                                   <p:childTnLst>
                                     <p:set>
                                       <p:cBhvr>
-                                        <p:cTn id="31" dur="1" fill="hold">
+                                        <p:cTn id="29" dur="1" fill="hold">
                                           <p:stCondLst>
                                             <p:cond delay="0"/>
                                           </p:stCondLst>
@@ -9322,7 +9304,7 @@
                                     </p:set>
                                     <p:animEffect transition="in" filter="fade">
                                       <p:cBhvr>
-                                        <p:cTn id="32" dur="500"/>
+                                        <p:cTn id="30" dur="500"/>
                                         <p:tgtEl>
                                           <p:spTgt spid="106"/>
                                         </p:tgtEl>
@@ -9338,26 +9320,26 @@
                     </p:cTn>
                   </p:par>
                   <p:par>
-                    <p:cTn id="33" fill="hold">
+                    <p:cTn id="31" fill="hold">
                       <p:stCondLst>
                         <p:cond delay="indefinite"/>
                       </p:stCondLst>
                       <p:childTnLst>
                         <p:par>
-                          <p:cTn id="34" fill="hold">
+                          <p:cTn id="32" fill="hold">
                             <p:stCondLst>
                               <p:cond delay="0"/>
                             </p:stCondLst>
                             <p:childTnLst>
                               <p:par>
-                                <p:cTn id="35" presetID="42" presetClass="path" presetSubtype="0" accel="50000" decel="50000" fill="hold" nodeType="clickEffect">
+                                <p:cTn id="33" presetID="42" presetClass="path" presetSubtype="0" accel="50000" decel="50000" fill="hold" nodeType="clickEffect">
                                   <p:stCondLst>
                                     <p:cond delay="0"/>
                                   </p:stCondLst>
                                   <p:childTnLst>
                                     <p:animMotion origin="layout" path="M 3.95833E-6 -2.96296E-6 L 0.10104 -0.14027 " pathEditMode="relative" rAng="0" ptsTypes="AA">
                                       <p:cBhvr>
-                                        <p:cTn id="36" dur="1000" fill="hold"/>
+                                        <p:cTn id="34" dur="1000" fill="hold"/>
                                         <p:tgtEl>
                                           <p:spTgt spid="106"/>
                                         </p:tgtEl>
@@ -9372,14 +9354,14 @@
                                 </p:cTn>
                               </p:par>
                               <p:par>
-                                <p:cTn id="37" presetID="6" presetClass="emph" presetSubtype="0" fill="hold" nodeType="withEffect">
+                                <p:cTn id="35" presetID="6" presetClass="emph" presetSubtype="0" fill="hold" nodeType="withEffect">
                                   <p:stCondLst>
                                     <p:cond delay="0"/>
                                   </p:stCondLst>
                                   <p:childTnLst>
                                     <p:animScale>
                                       <p:cBhvr>
-                                        <p:cTn id="38" dur="1000" fill="hold"/>
+                                        <p:cTn id="36" dur="1000" fill="hold"/>
                                         <p:tgtEl>
                                           <p:spTgt spid="106"/>
                                         </p:tgtEl>
@@ -9396,26 +9378,26 @@
                     </p:cTn>
                   </p:par>
                   <p:par>
-                    <p:cTn id="39" fill="hold">
+                    <p:cTn id="37" fill="hold">
                       <p:stCondLst>
                         <p:cond delay="indefinite"/>
                       </p:stCondLst>
                       <p:childTnLst>
                         <p:par>
-                          <p:cTn id="40" fill="hold">
+                          <p:cTn id="38" fill="hold">
                             <p:stCondLst>
                               <p:cond delay="0"/>
                             </p:stCondLst>
                             <p:childTnLst>
                               <p:par>
-                                <p:cTn id="41" presetID="10" presetClass="entr" presetSubtype="0" fill="hold" nodeType="clickEffect">
+                                <p:cTn id="39" presetID="10" presetClass="entr" presetSubtype="0" fill="hold" nodeType="clickEffect">
                                   <p:stCondLst>
                                     <p:cond delay="0"/>
                                   </p:stCondLst>
                                   <p:childTnLst>
                                     <p:set>
                                       <p:cBhvr>
-                                        <p:cTn id="42" dur="1" fill="hold">
+                                        <p:cTn id="40" dur="1" fill="hold">
                                           <p:stCondLst>
                                             <p:cond delay="0"/>
                                           </p:stCondLst>
@@ -9433,7 +9415,7 @@
                                     </p:set>
                                     <p:animEffect transition="in" filter="fade">
                                       <p:cBhvr>
-                                        <p:cTn id="43" dur="500"/>
+                                        <p:cTn id="41" dur="500"/>
                                         <p:tgtEl>
                                           <p:spTgt spid="94"/>
                                         </p:tgtEl>
@@ -9449,26 +9431,26 @@
                     </p:cTn>
                   </p:par>
                   <p:par>
-                    <p:cTn id="44" fill="hold">
+                    <p:cTn id="42" fill="hold">
                       <p:stCondLst>
                         <p:cond delay="indefinite"/>
                       </p:stCondLst>
                       <p:childTnLst>
                         <p:par>
-                          <p:cTn id="45" fill="hold">
+                          <p:cTn id="43" fill="hold">
                             <p:stCondLst>
                               <p:cond delay="0"/>
                             </p:stCondLst>
                             <p:childTnLst>
                               <p:par>
-                                <p:cTn id="46" presetID="10" presetClass="entr" presetSubtype="0" fill="hold" grpId="0" nodeType="clickEffect">
+                                <p:cTn id="44" presetID="10" presetClass="entr" presetSubtype="0" fill="hold" grpId="0" nodeType="clickEffect">
                                   <p:stCondLst>
                                     <p:cond delay="0"/>
                                   </p:stCondLst>
                                   <p:childTnLst>
                                     <p:set>
                                       <p:cBhvr>
-                                        <p:cTn id="47" dur="1" fill="hold">
+                                        <p:cTn id="45" dur="1" fill="hold">
                                           <p:stCondLst>
                                             <p:cond delay="0"/>
                                           </p:stCondLst>
@@ -9486,7 +9468,7 @@
                                     </p:set>
                                     <p:animEffect transition="in" filter="fade">
                                       <p:cBhvr>
-                                        <p:cTn id="48" dur="500"/>
+                                        <p:cTn id="46" dur="500"/>
                                         <p:tgtEl>
                                           <p:spTgt spid="1055"/>
                                         </p:tgtEl>
@@ -9502,26 +9484,26 @@
                     </p:cTn>
                   </p:par>
                   <p:par>
-                    <p:cTn id="49" fill="hold">
+                    <p:cTn id="47" fill="hold">
                       <p:stCondLst>
                         <p:cond delay="indefinite"/>
                       </p:stCondLst>
                       <p:childTnLst>
                         <p:par>
-                          <p:cTn id="50" fill="hold">
+                          <p:cTn id="48" fill="hold">
                             <p:stCondLst>
                               <p:cond delay="0"/>
                             </p:stCondLst>
                             <p:childTnLst>
                               <p:par>
-                                <p:cTn id="51" presetID="10" presetClass="entr" presetSubtype="0" fill="hold" grpId="0" nodeType="clickEffect">
+                                <p:cTn id="49" presetID="10" presetClass="entr" presetSubtype="0" fill="hold" grpId="0" nodeType="clickEffect">
                                   <p:stCondLst>
                                     <p:cond delay="0"/>
                                   </p:stCondLst>
                                   <p:childTnLst>
                                     <p:set>
                                       <p:cBhvr>
-                                        <p:cTn id="52" dur="1" fill="hold">
+                                        <p:cTn id="50" dur="1" fill="hold">
                                           <p:stCondLst>
                                             <p:cond delay="0"/>
                                           </p:stCondLst>
@@ -9539,7 +9521,7 @@
                                     </p:set>
                                     <p:animEffect transition="in" filter="fade">
                                       <p:cBhvr>
-                                        <p:cTn id="53" dur="500"/>
+                                        <p:cTn id="51" dur="500"/>
                                         <p:tgtEl>
                                           <p:spTgt spid="113"/>
                                         </p:tgtEl>
@@ -9555,26 +9537,26 @@
                     </p:cTn>
                   </p:par>
                   <p:par>
-                    <p:cTn id="54" fill="hold">
+                    <p:cTn id="52" fill="hold">
                       <p:stCondLst>
                         <p:cond delay="indefinite"/>
                       </p:stCondLst>
                       <p:childTnLst>
                         <p:par>
-                          <p:cTn id="55" fill="hold">
+                          <p:cTn id="53" fill="hold">
                             <p:stCondLst>
                               <p:cond delay="0"/>
                             </p:stCondLst>
                             <p:childTnLst>
                               <p:par>
-                                <p:cTn id="56" presetID="42" presetClass="path" presetSubtype="0" accel="50000" decel="50000" fill="hold" nodeType="clickEffect">
+                                <p:cTn id="54" presetID="42" presetClass="path" presetSubtype="0" accel="50000" decel="50000" fill="hold" nodeType="clickEffect">
                                   <p:stCondLst>
                                     <p:cond delay="0"/>
                                   </p:stCondLst>
                                   <p:childTnLst>
                                     <p:animMotion origin="layout" path="M 1.45833E-6 2.96296E-6 L -0.12422 0.11342 " pathEditMode="relative" rAng="0" ptsTypes="AA">
                                       <p:cBhvr>
-                                        <p:cTn id="57" dur="1000" fill="hold"/>
+                                        <p:cTn id="55" dur="1000" fill="hold"/>
                                         <p:tgtEl>
                                           <p:spTgt spid="94"/>
                                         </p:tgtEl>
@@ -9589,14 +9571,14 @@
                                 </p:cTn>
                               </p:par>
                               <p:par>
-                                <p:cTn id="58" presetID="1" presetClass="exit" presetSubtype="0" fill="hold" grpId="1" nodeType="withEffect">
+                                <p:cTn id="56" presetID="1" presetClass="exit" presetSubtype="0" fill="hold" grpId="1" nodeType="withEffect">
                                   <p:stCondLst>
                                     <p:cond delay="0"/>
                                   </p:stCondLst>
                                   <p:childTnLst>
                                     <p:set>
                                       <p:cBhvr>
-                                        <p:cTn id="59" dur="1" fill="hold">
+                                        <p:cTn id="57" dur="1" fill="hold">
                                           <p:stCondLst>
                                             <p:cond delay="0"/>
                                           </p:stCondLst>
@@ -9616,14 +9598,14 @@
                                 </p:cTn>
                               </p:par>
                               <p:par>
-                                <p:cTn id="60" presetID="1" presetClass="exit" presetSubtype="0" fill="hold" grpId="1" nodeType="withEffect">
+                                <p:cTn id="58" presetID="1" presetClass="exit" presetSubtype="0" fill="hold" grpId="1" nodeType="withEffect">
                                   <p:stCondLst>
                                     <p:cond delay="0"/>
                                   </p:stCondLst>
                                   <p:childTnLst>
                                     <p:set>
                                       <p:cBhvr>
-                                        <p:cTn id="61" dur="1" fill="hold">
+                                        <p:cTn id="59" dur="1" fill="hold">
                                           <p:stCondLst>
                                             <p:cond delay="0"/>
                                           </p:stCondLst>
@@ -9643,14 +9625,14 @@
                                 </p:cTn>
                               </p:par>
                               <p:par>
-                                <p:cTn id="62" presetID="6" presetClass="emph" presetSubtype="0" fill="hold" nodeType="withEffect">
+                                <p:cTn id="60" presetID="6" presetClass="emph" presetSubtype="0" fill="hold" nodeType="withEffect">
                                   <p:stCondLst>
                                     <p:cond delay="0"/>
                                   </p:stCondLst>
                                   <p:childTnLst>
                                     <p:animScale>
                                       <p:cBhvr>
-                                        <p:cTn id="63" dur="1000" fill="hold"/>
+                                        <p:cTn id="61" dur="1000" fill="hold"/>
                                         <p:tgtEl>
                                           <p:spTgt spid="94"/>
                                         </p:tgtEl>
@@ -9667,26 +9649,26 @@
                     </p:cTn>
                   </p:par>
                   <p:par>
-                    <p:cTn id="64" fill="hold">
+                    <p:cTn id="62" fill="hold">
                       <p:stCondLst>
                         <p:cond delay="indefinite"/>
                       </p:stCondLst>
                       <p:childTnLst>
                         <p:par>
-                          <p:cTn id="65" fill="hold">
+                          <p:cTn id="63" fill="hold">
                             <p:stCondLst>
                               <p:cond delay="0"/>
                             </p:stCondLst>
                             <p:childTnLst>
                               <p:par>
-                                <p:cTn id="66" presetID="10" presetClass="entr" presetSubtype="0" fill="hold" nodeType="clickEffect">
+                                <p:cTn id="64" presetID="10" presetClass="entr" presetSubtype="0" fill="hold" nodeType="clickEffect">
                                   <p:stCondLst>
                                     <p:cond delay="0"/>
                                   </p:stCondLst>
                                   <p:childTnLst>
                                     <p:set>
                                       <p:cBhvr>
-                                        <p:cTn id="67" dur="1" fill="hold">
+                                        <p:cTn id="65" dur="1" fill="hold">
                                           <p:stCondLst>
                                             <p:cond delay="0"/>
                                           </p:stCondLst>
@@ -9704,7 +9686,7 @@
                                     </p:set>
                                     <p:animEffect transition="in" filter="fade">
                                       <p:cBhvr>
-                                        <p:cTn id="68" dur="500"/>
+                                        <p:cTn id="66" dur="500"/>
                                         <p:tgtEl>
                                           <p:spTgt spid="101"/>
                                         </p:tgtEl>
@@ -9720,26 +9702,26 @@
                     </p:cTn>
                   </p:par>
                   <p:par>
-                    <p:cTn id="69" fill="hold">
+                    <p:cTn id="67" fill="hold">
                       <p:stCondLst>
                         <p:cond delay="indefinite"/>
                       </p:stCondLst>
                       <p:childTnLst>
                         <p:par>
-                          <p:cTn id="70" fill="hold">
+                          <p:cTn id="68" fill="hold">
                             <p:stCondLst>
                               <p:cond delay="0"/>
                             </p:stCondLst>
                             <p:childTnLst>
                               <p:par>
-                                <p:cTn id="71" presetID="10" presetClass="entr" presetSubtype="0" fill="hold" nodeType="clickEffect">
+                                <p:cTn id="69" presetID="10" presetClass="entr" presetSubtype="0" fill="hold" nodeType="clickEffect">
                                   <p:stCondLst>
                                     <p:cond delay="0"/>
                                   </p:stCondLst>
                                   <p:childTnLst>
                                     <p:set>
                                       <p:cBhvr>
-                                        <p:cTn id="72" dur="1" fill="hold">
+                                        <p:cTn id="70" dur="1" fill="hold">
                                           <p:stCondLst>
                                             <p:cond delay="0"/>
                                           </p:stCondLst>
@@ -9757,7 +9739,7 @@
                                     </p:set>
                                     <p:animEffect transition="in" filter="fade">
                                       <p:cBhvr>
-                                        <p:cTn id="73" dur="500"/>
+                                        <p:cTn id="71" dur="500"/>
                                         <p:tgtEl>
                                           <p:spTgt spid="3"/>
                                         </p:tgtEl>
@@ -9773,26 +9755,26 @@
                     </p:cTn>
                   </p:par>
                   <p:par>
-                    <p:cTn id="74" fill="hold">
+                    <p:cTn id="72" fill="hold">
                       <p:stCondLst>
                         <p:cond delay="indefinite"/>
                       </p:stCondLst>
                       <p:childTnLst>
                         <p:par>
-                          <p:cTn id="75" fill="hold">
+                          <p:cTn id="73" fill="hold">
                             <p:stCondLst>
                               <p:cond delay="0"/>
                             </p:stCondLst>
                             <p:childTnLst>
                               <p:par>
-                                <p:cTn id="76" presetID="1" presetClass="exit" presetSubtype="0" fill="hold" nodeType="clickEffect">
+                                <p:cTn id="74" presetID="1" presetClass="exit" presetSubtype="0" fill="hold" nodeType="clickEffect">
                                   <p:stCondLst>
                                     <p:cond delay="0"/>
                                   </p:stCondLst>
                                   <p:childTnLst>
                                     <p:set>
                                       <p:cBhvr>
-                                        <p:cTn id="77" dur="1" fill="hold">
+                                        <p:cTn id="75" dur="1" fill="hold">
                                           <p:stCondLst>
                                             <p:cond delay="0"/>
                                           </p:stCondLst>
@@ -9818,26 +9800,26 @@
                     </p:cTn>
                   </p:par>
                   <p:par>
-                    <p:cTn id="78" fill="hold">
+                    <p:cTn id="76" fill="hold">
                       <p:stCondLst>
                         <p:cond delay="indefinite"/>
                       </p:stCondLst>
                       <p:childTnLst>
                         <p:par>
-                          <p:cTn id="79" fill="hold">
+                          <p:cTn id="77" fill="hold">
                             <p:stCondLst>
                               <p:cond delay="0"/>
                             </p:stCondLst>
                             <p:childTnLst>
                               <p:par>
-                                <p:cTn id="80" presetID="10" presetClass="entr" presetSubtype="0" fill="hold" grpId="0" nodeType="clickEffect">
+                                <p:cTn id="78" presetID="10" presetClass="entr" presetSubtype="0" fill="hold" grpId="0" nodeType="clickEffect">
                                   <p:stCondLst>
                                     <p:cond delay="0"/>
                                   </p:stCondLst>
                                   <p:childTnLst>
                                     <p:set>
                                       <p:cBhvr>
-                                        <p:cTn id="81" dur="1" fill="hold">
+                                        <p:cTn id="79" dur="1" fill="hold">
                                           <p:stCondLst>
                                             <p:cond delay="0"/>
                                           </p:stCondLst>
@@ -9855,7 +9837,7 @@
                                     </p:set>
                                     <p:animEffect transition="in" filter="fade">
                                       <p:cBhvr>
-                                        <p:cTn id="82" dur="500"/>
+                                        <p:cTn id="80" dur="500"/>
                                         <p:tgtEl>
                                           <p:spTgt spid="115"/>
                                         </p:tgtEl>
@@ -9871,26 +9853,26 @@
                     </p:cTn>
                   </p:par>
                   <p:par>
-                    <p:cTn id="83" fill="hold">
+                    <p:cTn id="81" fill="hold">
                       <p:stCondLst>
                         <p:cond delay="indefinite"/>
                       </p:stCondLst>
                       <p:childTnLst>
                         <p:par>
-                          <p:cTn id="84" fill="hold">
+                          <p:cTn id="82" fill="hold">
                             <p:stCondLst>
                               <p:cond delay="0"/>
                             </p:stCondLst>
                             <p:childTnLst>
                               <p:par>
-                                <p:cTn id="85" presetID="10" presetClass="entr" presetSubtype="0" fill="hold" grpId="0" nodeType="clickEffect">
+                                <p:cTn id="83" presetID="10" presetClass="entr" presetSubtype="0" fill="hold" grpId="0" nodeType="clickEffect">
                                   <p:stCondLst>
                                     <p:cond delay="0"/>
                                   </p:stCondLst>
                                   <p:childTnLst>
                                     <p:set>
                                       <p:cBhvr>
-                                        <p:cTn id="86" dur="1" fill="hold">
+                                        <p:cTn id="84" dur="1" fill="hold">
                                           <p:stCondLst>
                                             <p:cond delay="0"/>
                                           </p:stCondLst>
@@ -9908,7 +9890,7 @@
                                     </p:set>
                                     <p:animEffect transition="in" filter="fade">
                                       <p:cBhvr>
-                                        <p:cTn id="87" dur="500"/>
+                                        <p:cTn id="85" dur="500"/>
                                         <p:tgtEl>
                                           <p:spTgt spid="116"/>
                                         </p:tgtEl>
@@ -9924,26 +9906,26 @@
                     </p:cTn>
                   </p:par>
                   <p:par>
-                    <p:cTn id="88" fill="hold">
+                    <p:cTn id="86" fill="hold">
                       <p:stCondLst>
                         <p:cond delay="indefinite"/>
                       </p:stCondLst>
                       <p:childTnLst>
                         <p:par>
-                          <p:cTn id="89" fill="hold">
+                          <p:cTn id="87" fill="hold">
                             <p:stCondLst>
                               <p:cond delay="0"/>
                             </p:stCondLst>
                             <p:childTnLst>
                               <p:par>
-                                <p:cTn id="90" presetID="10" presetClass="entr" presetSubtype="0" fill="hold" grpId="0" nodeType="clickEffect">
+                                <p:cTn id="88" presetID="10" presetClass="entr" presetSubtype="0" fill="hold" grpId="0" nodeType="clickEffect">
                                   <p:stCondLst>
                                     <p:cond delay="0"/>
                                   </p:stCondLst>
                                   <p:childTnLst>
                                     <p:set>
                                       <p:cBhvr>
-                                        <p:cTn id="91" dur="1" fill="hold">
+                                        <p:cTn id="89" dur="1" fill="hold">
                                           <p:stCondLst>
                                             <p:cond delay="0"/>
                                           </p:stCondLst>
@@ -9961,7 +9943,7 @@
                                     </p:set>
                                     <p:animEffect transition="in" filter="fade">
                                       <p:cBhvr>
-                                        <p:cTn id="92" dur="500"/>
+                                        <p:cTn id="90" dur="500"/>
                                         <p:tgtEl>
                                           <p:spTgt spid="117"/>
                                         </p:tgtEl>
@@ -9971,14 +9953,14 @@
                                 </p:cTn>
                               </p:par>
                               <p:par>
-                                <p:cTn id="93" presetID="10" presetClass="entr" presetSubtype="0" fill="hold" nodeType="withEffect">
+                                <p:cTn id="91" presetID="10" presetClass="entr" presetSubtype="0" fill="hold" nodeType="withEffect">
                                   <p:stCondLst>
                                     <p:cond delay="0"/>
                                   </p:stCondLst>
                                   <p:childTnLst>
                                     <p:set>
                                       <p:cBhvr>
-                                        <p:cTn id="94" dur="1" fill="hold">
+                                        <p:cTn id="92" dur="1" fill="hold">
                                           <p:stCondLst>
                                             <p:cond delay="0"/>
                                           </p:stCondLst>
@@ -9996,7 +9978,7 @@
                                     </p:set>
                                     <p:animEffect transition="in" filter="fade">
                                       <p:cBhvr>
-                                        <p:cTn id="95" dur="500"/>
+                                        <p:cTn id="93" dur="500"/>
                                         <p:tgtEl>
                                           <p:spTgt spid="1061"/>
                                         </p:tgtEl>
@@ -10012,26 +9994,26 @@
                     </p:cTn>
                   </p:par>
                   <p:par>
-                    <p:cTn id="96" fill="hold">
+                    <p:cTn id="94" fill="hold">
                       <p:stCondLst>
                         <p:cond delay="indefinite"/>
                       </p:stCondLst>
                       <p:childTnLst>
                         <p:par>
-                          <p:cTn id="97" fill="hold">
+                          <p:cTn id="95" fill="hold">
                             <p:stCondLst>
                               <p:cond delay="0"/>
                             </p:stCondLst>
                             <p:childTnLst>
                               <p:par>
-                                <p:cTn id="98" presetID="42" presetClass="path" presetSubtype="0" accel="50000" decel="50000" fill="hold" nodeType="clickEffect">
+                                <p:cTn id="96" presetID="42" presetClass="path" presetSubtype="0" accel="50000" decel="50000" fill="hold" nodeType="clickEffect">
                                   <p:stCondLst>
                                     <p:cond delay="0"/>
                                   </p:stCondLst>
                                   <p:childTnLst>
                                     <p:animMotion origin="layout" path="M -0.01263 -0.05556 L 0.10052 0.09791 " pathEditMode="relative" rAng="0" ptsTypes="AA">
                                       <p:cBhvr>
-                                        <p:cTn id="99" dur="1000" fill="hold"/>
+                                        <p:cTn id="97" dur="1000" fill="hold"/>
                                         <p:tgtEl>
                                           <p:spTgt spid="101"/>
                                         </p:tgtEl>
@@ -10042,6 +10024,33 @@
                                       </p:cBhvr>
                                       <p:rCtr x="5651" y="7662"/>
                                     </p:animMotion>
+                                  </p:childTnLst>
+                                </p:cTn>
+                              </p:par>
+                              <p:par>
+                                <p:cTn id="98" presetID="1" presetClass="exit" presetSubtype="0" fill="hold" grpId="1" nodeType="withEffect">
+                                  <p:stCondLst>
+                                    <p:cond delay="0"/>
+                                  </p:stCondLst>
+                                  <p:childTnLst>
+                                    <p:set>
+                                      <p:cBhvr>
+                                        <p:cTn id="99" dur="1" fill="hold">
+                                          <p:stCondLst>
+                                            <p:cond delay="0"/>
+                                          </p:stCondLst>
+                                        </p:cTn>
+                                        <p:tgtEl>
+                                          <p:spTgt spid="115"/>
+                                        </p:tgtEl>
+                                        <p:attrNameLst>
+                                          <p:attrName>style.visibility</p:attrName>
+                                        </p:attrNameLst>
+                                      </p:cBhvr>
+                                      <p:to>
+                                        <p:strVal val="hidden"/>
+                                      </p:to>
+                                    </p:set>
                                   </p:childTnLst>
                                 </p:cTn>
                               </p:par>
@@ -10059,7 +10068,7 @@
                                           </p:stCondLst>
                                         </p:cTn>
                                         <p:tgtEl>
-                                          <p:spTgt spid="115"/>
+                                          <p:spTgt spid="116"/>
                                         </p:tgtEl>
                                         <p:attrNameLst>
                                           <p:attrName>style.visibility</p:attrName>
@@ -10086,33 +10095,6 @@
                                           </p:stCondLst>
                                         </p:cTn>
                                         <p:tgtEl>
-                                          <p:spTgt spid="116"/>
-                                        </p:tgtEl>
-                                        <p:attrNameLst>
-                                          <p:attrName>style.visibility</p:attrName>
-                                        </p:attrNameLst>
-                                      </p:cBhvr>
-                                      <p:to>
-                                        <p:strVal val="hidden"/>
-                                      </p:to>
-                                    </p:set>
-                                  </p:childTnLst>
-                                </p:cTn>
-                              </p:par>
-                              <p:par>
-                                <p:cTn id="104" presetID="1" presetClass="exit" presetSubtype="0" fill="hold" grpId="1" nodeType="withEffect">
-                                  <p:stCondLst>
-                                    <p:cond delay="0"/>
-                                  </p:stCondLst>
-                                  <p:childTnLst>
-                                    <p:set>
-                                      <p:cBhvr>
-                                        <p:cTn id="105" dur="1" fill="hold">
-                                          <p:stCondLst>
-                                            <p:cond delay="0"/>
-                                          </p:stCondLst>
-                                        </p:cTn>
-                                        <p:tgtEl>
                                           <p:spTgt spid="117"/>
                                         </p:tgtEl>
                                         <p:attrNameLst>
@@ -10127,14 +10109,14 @@
                                 </p:cTn>
                               </p:par>
                               <p:par>
-                                <p:cTn id="106" presetID="1" presetClass="exit" presetSubtype="0" fill="hold" nodeType="withEffect">
+                                <p:cTn id="104" presetID="1" presetClass="exit" presetSubtype="0" fill="hold" nodeType="withEffect">
                                   <p:stCondLst>
                                     <p:cond delay="0"/>
                                   </p:stCondLst>
                                   <p:childTnLst>
                                     <p:set>
                                       <p:cBhvr>
-                                        <p:cTn id="107" dur="1" fill="hold">
+                                        <p:cTn id="105" dur="1" fill="hold">
                                           <p:stCondLst>
                                             <p:cond delay="0"/>
                                           </p:stCondLst>
@@ -10154,14 +10136,14 @@
                                 </p:cTn>
                               </p:par>
                               <p:par>
-                                <p:cTn id="108" presetID="6" presetClass="emph" presetSubtype="0" fill="hold" nodeType="withEffect">
+                                <p:cTn id="106" presetID="6" presetClass="emph" presetSubtype="0" fill="hold" nodeType="withEffect">
                                   <p:stCondLst>
                                     <p:cond delay="0"/>
                                   </p:stCondLst>
                                   <p:childTnLst>
                                     <p:animScale>
                                       <p:cBhvr>
-                                        <p:cTn id="109" dur="1000" fill="hold"/>
+                                        <p:cTn id="107" dur="1000" fill="hold"/>
                                         <p:tgtEl>
                                           <p:spTgt spid="101"/>
                                         </p:tgtEl>
@@ -10178,26 +10160,26 @@
                     </p:cTn>
                   </p:par>
                   <p:par>
-                    <p:cTn id="110" fill="hold">
+                    <p:cTn id="108" fill="hold">
                       <p:stCondLst>
                         <p:cond delay="indefinite"/>
                       </p:stCondLst>
                       <p:childTnLst>
                         <p:par>
-                          <p:cTn id="111" fill="hold">
+                          <p:cTn id="109" fill="hold">
                             <p:stCondLst>
                               <p:cond delay="0"/>
                             </p:stCondLst>
                             <p:childTnLst>
                               <p:par>
-                                <p:cTn id="112" presetID="10" presetClass="entr" presetSubtype="0" fill="hold" nodeType="clickEffect">
+                                <p:cTn id="110" presetID="10" presetClass="entr" presetSubtype="0" fill="hold" nodeType="clickEffect">
                                   <p:stCondLst>
                                     <p:cond delay="0"/>
                                   </p:stCondLst>
                                   <p:childTnLst>
                                     <p:set>
                                       <p:cBhvr>
-                                        <p:cTn id="113" dur="1" fill="hold">
+                                        <p:cTn id="111" dur="1" fill="hold">
                                           <p:stCondLst>
                                             <p:cond delay="0"/>
                                           </p:stCondLst>
@@ -10215,7 +10197,7 @@
                                     </p:set>
                                     <p:animEffect transition="in" filter="fade">
                                       <p:cBhvr>
-                                        <p:cTn id="114" dur="500"/>
+                                        <p:cTn id="112" dur="500"/>
                                         <p:tgtEl>
                                           <p:spTgt spid="107"/>
                                         </p:tgtEl>
@@ -10231,26 +10213,26 @@
                     </p:cTn>
                   </p:par>
                   <p:par>
-                    <p:cTn id="115" fill="hold">
+                    <p:cTn id="113" fill="hold">
                       <p:stCondLst>
                         <p:cond delay="indefinite"/>
                       </p:stCondLst>
                       <p:childTnLst>
                         <p:par>
-                          <p:cTn id="116" fill="hold">
+                          <p:cTn id="114" fill="hold">
                             <p:stCondLst>
                               <p:cond delay="0"/>
                             </p:stCondLst>
                             <p:childTnLst>
                               <p:par>
-                                <p:cTn id="117" presetID="10" presetClass="entr" presetSubtype="0" fill="hold" grpId="0" nodeType="clickEffect">
+                                <p:cTn id="115" presetID="10" presetClass="entr" presetSubtype="0" fill="hold" grpId="0" nodeType="clickEffect">
                                   <p:stCondLst>
                                     <p:cond delay="0"/>
                                   </p:stCondLst>
                                   <p:childTnLst>
                                     <p:set>
                                       <p:cBhvr>
-                                        <p:cTn id="118" dur="1" fill="hold">
+                                        <p:cTn id="116" dur="1" fill="hold">
                                           <p:stCondLst>
                                             <p:cond delay="0"/>
                                           </p:stCondLst>
@@ -10268,7 +10250,7 @@
                                     </p:set>
                                     <p:animEffect transition="in" filter="fade">
                                       <p:cBhvr>
-                                        <p:cTn id="119" dur="500"/>
+                                        <p:cTn id="117" dur="500"/>
                                         <p:tgtEl>
                                           <p:spTgt spid="120"/>
                                         </p:tgtEl>
@@ -10284,26 +10266,26 @@
                     </p:cTn>
                   </p:par>
                   <p:par>
-                    <p:cTn id="120" fill="hold">
+                    <p:cTn id="118" fill="hold">
                       <p:stCondLst>
                         <p:cond delay="indefinite"/>
                       </p:stCondLst>
                       <p:childTnLst>
                         <p:par>
-                          <p:cTn id="121" fill="hold">
+                          <p:cTn id="119" fill="hold">
                             <p:stCondLst>
                               <p:cond delay="0"/>
                             </p:stCondLst>
                             <p:childTnLst>
                               <p:par>
-                                <p:cTn id="122" presetID="10" presetClass="entr" presetSubtype="0" fill="hold" grpId="0" nodeType="clickEffect">
+                                <p:cTn id="120" presetID="10" presetClass="entr" presetSubtype="0" fill="hold" grpId="0" nodeType="clickEffect">
                                   <p:stCondLst>
                                     <p:cond delay="0"/>
                                   </p:stCondLst>
                                   <p:childTnLst>
                                     <p:set>
                                       <p:cBhvr>
-                                        <p:cTn id="123" dur="1" fill="hold">
+                                        <p:cTn id="121" dur="1" fill="hold">
                                           <p:stCondLst>
                                             <p:cond delay="0"/>
                                           </p:stCondLst>
@@ -10321,7 +10303,7 @@
                                     </p:set>
                                     <p:animEffect transition="in" filter="fade">
                                       <p:cBhvr>
-                                        <p:cTn id="124" dur="500"/>
+                                        <p:cTn id="122" dur="500"/>
                                         <p:tgtEl>
                                           <p:spTgt spid="1058"/>
                                         </p:tgtEl>
@@ -10337,26 +10319,26 @@
                     </p:cTn>
                   </p:par>
                   <p:par>
-                    <p:cTn id="125" fill="hold">
+                    <p:cTn id="123" fill="hold">
                       <p:stCondLst>
                         <p:cond delay="indefinite"/>
                       </p:stCondLst>
                       <p:childTnLst>
                         <p:par>
-                          <p:cTn id="126" fill="hold">
+                          <p:cTn id="124" fill="hold">
                             <p:stCondLst>
                               <p:cond delay="0"/>
                             </p:stCondLst>
                             <p:childTnLst>
                               <p:par>
-                                <p:cTn id="127" presetID="10" presetClass="entr" presetSubtype="0" fill="hold" grpId="0" nodeType="clickEffect">
+                                <p:cTn id="125" presetID="10" presetClass="entr" presetSubtype="0" fill="hold" grpId="0" nodeType="clickEffect">
                                   <p:stCondLst>
                                     <p:cond delay="0"/>
                                   </p:stCondLst>
                                   <p:childTnLst>
                                     <p:set>
                                       <p:cBhvr>
-                                        <p:cTn id="128" dur="1" fill="hold">
+                                        <p:cTn id="126" dur="1" fill="hold">
                                           <p:stCondLst>
                                             <p:cond delay="0"/>
                                           </p:stCondLst>
@@ -10374,7 +10356,7 @@
                                     </p:set>
                                     <p:animEffect transition="in" filter="fade">
                                       <p:cBhvr>
-                                        <p:cTn id="129" dur="500"/>
+                                        <p:cTn id="127" dur="500"/>
                                         <p:tgtEl>
                                           <p:spTgt spid="123"/>
                                         </p:tgtEl>
@@ -10390,26 +10372,26 @@
                     </p:cTn>
                   </p:par>
                   <p:par>
-                    <p:cTn id="130" fill="hold">
+                    <p:cTn id="128" fill="hold">
                       <p:stCondLst>
                         <p:cond delay="indefinite"/>
                       </p:stCondLst>
                       <p:childTnLst>
                         <p:par>
-                          <p:cTn id="131" fill="hold">
+                          <p:cTn id="129" fill="hold">
                             <p:stCondLst>
                               <p:cond delay="0"/>
                             </p:stCondLst>
                             <p:childTnLst>
                               <p:par>
-                                <p:cTn id="132" presetID="10" presetClass="entr" presetSubtype="0" fill="hold" grpId="0" nodeType="clickEffect">
+                                <p:cTn id="130" presetID="10" presetClass="entr" presetSubtype="0" fill="hold" grpId="0" nodeType="clickEffect">
                                   <p:stCondLst>
                                     <p:cond delay="0"/>
                                   </p:stCondLst>
                                   <p:childTnLst>
                                     <p:set>
                                       <p:cBhvr>
-                                        <p:cTn id="133" dur="1" fill="hold">
+                                        <p:cTn id="131" dur="1" fill="hold">
                                           <p:stCondLst>
                                             <p:cond delay="0"/>
                                           </p:stCondLst>
@@ -10427,7 +10409,7 @@
                                     </p:set>
                                     <p:animEffect transition="in" filter="fade">
                                       <p:cBhvr>
-                                        <p:cTn id="134" dur="500"/>
+                                        <p:cTn id="132" dur="500"/>
                                         <p:tgtEl>
                                           <p:spTgt spid="124"/>
                                         </p:tgtEl>
@@ -10443,26 +10425,26 @@
                     </p:cTn>
                   </p:par>
                   <p:par>
-                    <p:cTn id="135" fill="hold">
+                    <p:cTn id="133" fill="hold">
                       <p:stCondLst>
                         <p:cond delay="indefinite"/>
                       </p:stCondLst>
                       <p:childTnLst>
                         <p:par>
-                          <p:cTn id="136" fill="hold">
+                          <p:cTn id="134" fill="hold">
                             <p:stCondLst>
                               <p:cond delay="0"/>
                             </p:stCondLst>
                             <p:childTnLst>
                               <p:par>
-                                <p:cTn id="137" presetID="10" presetClass="entr" presetSubtype="0" fill="hold" grpId="0" nodeType="clickEffect">
+                                <p:cTn id="135" presetID="10" presetClass="entr" presetSubtype="0" fill="hold" grpId="0" nodeType="clickEffect">
                                   <p:stCondLst>
                                     <p:cond delay="0"/>
                                   </p:stCondLst>
                                   <p:childTnLst>
                                     <p:set>
                                       <p:cBhvr>
-                                        <p:cTn id="138" dur="1" fill="hold">
+                                        <p:cTn id="136" dur="1" fill="hold">
                                           <p:stCondLst>
                                             <p:cond delay="0"/>
                                           </p:stCondLst>
@@ -10480,7 +10462,7 @@
                                     </p:set>
                                     <p:animEffect transition="in" filter="fade">
                                       <p:cBhvr>
-                                        <p:cTn id="139" dur="500"/>
+                                        <p:cTn id="137" dur="500"/>
                                         <p:tgtEl>
                                           <p:spTgt spid="50"/>
                                         </p:tgtEl>
@@ -10496,26 +10478,26 @@
                     </p:cTn>
                   </p:par>
                   <p:par>
-                    <p:cTn id="140" fill="hold">
+                    <p:cTn id="138" fill="hold">
                       <p:stCondLst>
                         <p:cond delay="indefinite"/>
                       </p:stCondLst>
                       <p:childTnLst>
                         <p:par>
-                          <p:cTn id="141" fill="hold">
+                          <p:cTn id="139" fill="hold">
                             <p:stCondLst>
                               <p:cond delay="0"/>
                             </p:stCondLst>
                             <p:childTnLst>
                               <p:par>
-                                <p:cTn id="142" presetID="42" presetClass="path" presetSubtype="0" accel="50000" decel="50000" fill="hold" nodeType="clickEffect">
+                                <p:cTn id="140" presetID="42" presetClass="path" presetSubtype="0" accel="50000" decel="50000" fill="hold" nodeType="clickEffect">
                                   <p:stCondLst>
                                     <p:cond delay="0"/>
                                   </p:stCondLst>
                                   <p:childTnLst>
                                     <p:animMotion origin="layout" path="M -1.45833E-6 4.07407E-6 L 0.3138 0.15926 " pathEditMode="relative" rAng="0" ptsTypes="AA">
                                       <p:cBhvr>
-                                        <p:cTn id="143" dur="1000" fill="hold"/>
+                                        <p:cTn id="141" dur="1000" fill="hold"/>
                                         <p:tgtEl>
                                           <p:spTgt spid="107"/>
                                         </p:tgtEl>
@@ -10526,6 +10508,33 @@
                                       </p:cBhvr>
                                       <p:rCtr x="15690" y="7963"/>
                                     </p:animMotion>
+                                  </p:childTnLst>
+                                </p:cTn>
+                              </p:par>
+                              <p:par>
+                                <p:cTn id="142" presetID="1" presetClass="exit" presetSubtype="0" fill="hold" grpId="1" nodeType="withEffect">
+                                  <p:stCondLst>
+                                    <p:cond delay="0"/>
+                                  </p:stCondLst>
+                                  <p:childTnLst>
+                                    <p:set>
+                                      <p:cBhvr>
+                                        <p:cTn id="143" dur="1" fill="hold">
+                                          <p:stCondLst>
+                                            <p:cond delay="0"/>
+                                          </p:stCondLst>
+                                        </p:cTn>
+                                        <p:tgtEl>
+                                          <p:spTgt spid="120"/>
+                                        </p:tgtEl>
+                                        <p:attrNameLst>
+                                          <p:attrName>style.visibility</p:attrName>
+                                        </p:attrNameLst>
+                                      </p:cBhvr>
+                                      <p:to>
+                                        <p:strVal val="hidden"/>
+                                      </p:to>
+                                    </p:set>
                                   </p:childTnLst>
                                 </p:cTn>
                               </p:par>
@@ -10543,7 +10552,7 @@
                                           </p:stCondLst>
                                         </p:cTn>
                                         <p:tgtEl>
-                                          <p:spTgt spid="120"/>
+                                          <p:spTgt spid="1058"/>
                                         </p:tgtEl>
                                         <p:attrNameLst>
                                           <p:attrName>style.visibility</p:attrName>
@@ -10570,7 +10579,7 @@
                                           </p:stCondLst>
                                         </p:cTn>
                                         <p:tgtEl>
-                                          <p:spTgt spid="1058"/>
+                                          <p:spTgt spid="123"/>
                                         </p:tgtEl>
                                         <p:attrNameLst>
                                           <p:attrName>style.visibility</p:attrName>
@@ -10597,7 +10606,7 @@
                                           </p:stCondLst>
                                         </p:cTn>
                                         <p:tgtEl>
-                                          <p:spTgt spid="123"/>
+                                          <p:spTgt spid="124"/>
                                         </p:tgtEl>
                                         <p:attrNameLst>
                                           <p:attrName>style.visibility</p:attrName>
@@ -10624,33 +10633,6 @@
                                           </p:stCondLst>
                                         </p:cTn>
                                         <p:tgtEl>
-                                          <p:spTgt spid="124"/>
-                                        </p:tgtEl>
-                                        <p:attrNameLst>
-                                          <p:attrName>style.visibility</p:attrName>
-                                        </p:attrNameLst>
-                                      </p:cBhvr>
-                                      <p:to>
-                                        <p:strVal val="hidden"/>
-                                      </p:to>
-                                    </p:set>
-                                  </p:childTnLst>
-                                </p:cTn>
-                              </p:par>
-                              <p:par>
-                                <p:cTn id="152" presetID="1" presetClass="exit" presetSubtype="0" fill="hold" grpId="1" nodeType="withEffect">
-                                  <p:stCondLst>
-                                    <p:cond delay="0"/>
-                                  </p:stCondLst>
-                                  <p:childTnLst>
-                                    <p:set>
-                                      <p:cBhvr>
-                                        <p:cTn id="153" dur="1" fill="hold">
-                                          <p:stCondLst>
-                                            <p:cond delay="0"/>
-                                          </p:stCondLst>
-                                        </p:cTn>
-                                        <p:tgtEl>
                                           <p:spTgt spid="50"/>
                                         </p:tgtEl>
                                         <p:attrNameLst>
@@ -10665,14 +10647,14 @@
                                 </p:cTn>
                               </p:par>
                               <p:par>
-                                <p:cTn id="154" presetID="6" presetClass="emph" presetSubtype="0" fill="hold" nodeType="withEffect">
+                                <p:cTn id="152" presetID="6" presetClass="emph" presetSubtype="0" fill="hold" nodeType="withEffect">
                                   <p:stCondLst>
                                     <p:cond delay="0"/>
                                   </p:stCondLst>
                                   <p:childTnLst>
                                     <p:animScale>
                                       <p:cBhvr>
-                                        <p:cTn id="155" dur="1000" fill="hold"/>
+                                        <p:cTn id="153" dur="1000" fill="hold"/>
                                         <p:tgtEl>
                                           <p:spTgt spid="107"/>
                                         </p:tgtEl>
@@ -11341,21 +11323,6 @@
 </file>
 
 <file path=customXml/item1.xml><?xml version="1.0" encoding="utf-8"?>
-<?mso-contentType ?>
-<FormTemplates xmlns="http://schemas.microsoft.com/sharepoint/v3/contenttype/forms">
-  <Display>DocumentLibraryForm</Display>
-  <Edit>DocumentLibraryForm</Edit>
-  <New>DocumentLibraryForm</New>
-</FormTemplates>
-</file>
-
-<file path=customXml/item2.xml><?xml version="1.0" encoding="utf-8"?>
-<p:properties xmlns:p="http://schemas.microsoft.com/office/2006/metadata/properties" xmlns:xsi="http://www.w3.org/2001/XMLSchema-instance" xmlns:pc="http://schemas.microsoft.com/office/infopath/2007/PartnerControls">
-  <documentManagement/>
-</p:properties>
-</file>
-
-<file path=customXml/item3.xml><?xml version="1.0" encoding="utf-8"?>
 <ct:contentTypeSchema xmlns:ct="http://schemas.microsoft.com/office/2006/metadata/contentType" xmlns:ma="http://schemas.microsoft.com/office/2006/metadata/properties/metaAttributes" ct:_="" ma:_="" ma:contentTypeName="문서" ma:contentTypeID="0x010100EF22BAC79A958F4380D8006C245DA565" ma:contentTypeVersion="4" ma:contentTypeDescription="새 문서를 만듭니다." ma:contentTypeScope="" ma:versionID="9bcf37a326eb82fa642ac76daa50384e">
   <xsd:schema xmlns:xsd="http://www.w3.org/2001/XMLSchema" xmlns:xs="http://www.w3.org/2001/XMLSchema" xmlns:p="http://schemas.microsoft.com/office/2006/metadata/properties" xmlns:ns3="16ad011f-1dd4-4355-9069-50c6ce4b8836" targetNamespace="http://schemas.microsoft.com/office/2006/metadata/properties" ma:root="true" ma:fieldsID="9418583c706ff413e962e88f4d36c7d3" ns3:_="">
     <xsd:import namespace="16ad011f-1dd4-4355-9069-50c6ce4b8836"/>
@@ -11501,10 +11468,35 @@
 </ct:contentTypeSchema>
 </file>
 
+<file path=customXml/item2.xml><?xml version="1.0" encoding="utf-8"?>
+<p:properties xmlns:p="http://schemas.microsoft.com/office/2006/metadata/properties" xmlns:xsi="http://www.w3.org/2001/XMLSchema-instance" xmlns:pc="http://schemas.microsoft.com/office/infopath/2007/PartnerControls">
+  <documentManagement/>
+</p:properties>
+</file>
+
+<file path=customXml/item3.xml><?xml version="1.0" encoding="utf-8"?>
+<?mso-contentType ?>
+<FormTemplates xmlns="http://schemas.microsoft.com/sharepoint/v3/contenttype/forms">
+  <Display>DocumentLibraryForm</Display>
+  <Edit>DocumentLibraryForm</Edit>
+  <New>DocumentLibraryForm</New>
+</FormTemplates>
+</file>
+
 <file path=customXml/itemProps1.xml><?xml version="1.0" encoding="utf-8"?>
-<ds:datastoreItem xmlns:ds="http://schemas.openxmlformats.org/officeDocument/2006/customXml" ds:itemID="{973835A4-9CDC-4C3E-AAE5-425530A8E0D5}">
+<ds:datastoreItem xmlns:ds="http://schemas.openxmlformats.org/officeDocument/2006/customXml" ds:itemID="{B7377C0C-AEF0-451B-9F6B-3A16F108AAD5}">
   <ds:schemaRefs>
-    <ds:schemaRef ds:uri="http://schemas.microsoft.com/sharepoint/v3/contenttype/forms"/>
+    <ds:schemaRef ds:uri="http://schemas.microsoft.com/office/2006/metadata/contentType"/>
+    <ds:schemaRef ds:uri="http://schemas.microsoft.com/office/2006/metadata/properties/metaAttributes"/>
+    <ds:schemaRef ds:uri="http://www.w3.org/2001/XMLSchema"/>
+    <ds:schemaRef ds:uri="http://schemas.microsoft.com/office/2006/metadata/properties"/>
+    <ds:schemaRef ds:uri="16ad011f-1dd4-4355-9069-50c6ce4b8836"/>
+    <ds:schemaRef ds:uri="http://schemas.microsoft.com/office/2006/documentManagement/types"/>
+    <ds:schemaRef ds:uri="http://schemas.microsoft.com/office/infopath/2007/PartnerControls"/>
+    <ds:schemaRef ds:uri="http://schemas.openxmlformats.org/package/2006/metadata/core-properties"/>
+    <ds:schemaRef ds:uri="http://purl.org/dc/elements/1.1/"/>
+    <ds:schemaRef ds:uri="http://purl.org/dc/terms/"/>
+    <ds:schemaRef ds:uri="http://schemas.microsoft.com/internal/obd"/>
   </ds:schemaRefs>
 </ds:datastoreItem>
 </file>
@@ -11526,19 +11518,9 @@
 </file>
 
 <file path=customXml/itemProps3.xml><?xml version="1.0" encoding="utf-8"?>
-<ds:datastoreItem xmlns:ds="http://schemas.openxmlformats.org/officeDocument/2006/customXml" ds:itemID="{B7377C0C-AEF0-451B-9F6B-3A16F108AAD5}">
+<ds:datastoreItem xmlns:ds="http://schemas.openxmlformats.org/officeDocument/2006/customXml" ds:itemID="{973835A4-9CDC-4C3E-AAE5-425530A8E0D5}">
   <ds:schemaRefs>
-    <ds:schemaRef ds:uri="http://schemas.microsoft.com/office/2006/metadata/contentType"/>
-    <ds:schemaRef ds:uri="http://schemas.microsoft.com/office/2006/metadata/properties/metaAttributes"/>
-    <ds:schemaRef ds:uri="http://www.w3.org/2001/XMLSchema"/>
-    <ds:schemaRef ds:uri="http://schemas.microsoft.com/office/2006/metadata/properties"/>
-    <ds:schemaRef ds:uri="16ad011f-1dd4-4355-9069-50c6ce4b8836"/>
-    <ds:schemaRef ds:uri="http://schemas.microsoft.com/office/2006/documentManagement/types"/>
-    <ds:schemaRef ds:uri="http://schemas.microsoft.com/office/infopath/2007/PartnerControls"/>
-    <ds:schemaRef ds:uri="http://schemas.openxmlformats.org/package/2006/metadata/core-properties"/>
-    <ds:schemaRef ds:uri="http://purl.org/dc/elements/1.1/"/>
-    <ds:schemaRef ds:uri="http://purl.org/dc/terms/"/>
-    <ds:schemaRef ds:uri="http://schemas.microsoft.com/internal/obd"/>
+    <ds:schemaRef ds:uri="http://schemas.microsoft.com/sharepoint/v3/contenttype/forms"/>
   </ds:schemaRefs>
 </ds:datastoreItem>
 </file>